--- a/Anime Music.pptx
+++ b/Anime Music.pptx
@@ -6,11 +6,14 @@
   </p:sldMasterIdLst>
   <p:sldIdLst>
     <p:sldId id="256" r:id="rId2"/>
-    <p:sldId id="261" r:id="rId3"/>
-    <p:sldId id="257" r:id="rId4"/>
-    <p:sldId id="258" r:id="rId5"/>
-    <p:sldId id="259" r:id="rId6"/>
-    <p:sldId id="260" r:id="rId7"/>
+    <p:sldId id="258" r:id="rId3"/>
+    <p:sldId id="259" r:id="rId4"/>
+    <p:sldId id="260" r:id="rId5"/>
+    <p:sldId id="262" r:id="rId6"/>
+    <p:sldId id="263" r:id="rId7"/>
+    <p:sldId id="264" r:id="rId8"/>
+    <p:sldId id="261" r:id="rId9"/>
+    <p:sldId id="257" r:id="rId10"/>
   </p:sldIdLst>
   <p:sldSz cx="12192000" cy="6858000"/>
   <p:notesSz cx="6858000" cy="9144000"/>
@@ -277,7 +280,7 @@
           <a:p>
             <a:fld id="{F746D7A6-BAA1-4156-994B-365B25D61719}" type="datetimeFigureOut">
               <a:rPr lang="en-US" smtClean="0"/>
-              <a:t>2/2/2023</a:t>
+              <a:t>2/7/2023</a:t>
             </a:fld>
             <a:endParaRPr lang="en-US"/>
           </a:p>
@@ -477,7 +480,7 @@
           <a:p>
             <a:fld id="{F746D7A6-BAA1-4156-994B-365B25D61719}" type="datetimeFigureOut">
               <a:rPr lang="en-US" smtClean="0"/>
-              <a:t>2/2/2023</a:t>
+              <a:t>2/7/2023</a:t>
             </a:fld>
             <a:endParaRPr lang="en-US"/>
           </a:p>
@@ -687,7 +690,7 @@
           <a:p>
             <a:fld id="{F746D7A6-BAA1-4156-994B-365B25D61719}" type="datetimeFigureOut">
               <a:rPr lang="en-US" smtClean="0"/>
-              <a:t>2/2/2023</a:t>
+              <a:t>2/7/2023</a:t>
             </a:fld>
             <a:endParaRPr lang="en-US"/>
           </a:p>
@@ -887,7 +890,7 @@
           <a:p>
             <a:fld id="{F746D7A6-BAA1-4156-994B-365B25D61719}" type="datetimeFigureOut">
               <a:rPr lang="en-US" smtClean="0"/>
-              <a:t>2/2/2023</a:t>
+              <a:t>2/7/2023</a:t>
             </a:fld>
             <a:endParaRPr lang="en-US"/>
           </a:p>
@@ -1163,7 +1166,7 @@
           <a:p>
             <a:fld id="{F746D7A6-BAA1-4156-994B-365B25D61719}" type="datetimeFigureOut">
               <a:rPr lang="en-US" smtClean="0"/>
-              <a:t>2/2/2023</a:t>
+              <a:t>2/7/2023</a:t>
             </a:fld>
             <a:endParaRPr lang="en-US"/>
           </a:p>
@@ -1431,7 +1434,7 @@
           <a:p>
             <a:fld id="{F746D7A6-BAA1-4156-994B-365B25D61719}" type="datetimeFigureOut">
               <a:rPr lang="en-US" smtClean="0"/>
-              <a:t>2/2/2023</a:t>
+              <a:t>2/7/2023</a:t>
             </a:fld>
             <a:endParaRPr lang="en-US"/>
           </a:p>
@@ -1846,7 +1849,7 @@
           <a:p>
             <a:fld id="{F746D7A6-BAA1-4156-994B-365B25D61719}" type="datetimeFigureOut">
               <a:rPr lang="en-US" smtClean="0"/>
-              <a:t>2/2/2023</a:t>
+              <a:t>2/7/2023</a:t>
             </a:fld>
             <a:endParaRPr lang="en-US"/>
           </a:p>
@@ -1988,7 +1991,7 @@
           <a:p>
             <a:fld id="{F746D7A6-BAA1-4156-994B-365B25D61719}" type="datetimeFigureOut">
               <a:rPr lang="en-US" smtClean="0"/>
-              <a:t>2/2/2023</a:t>
+              <a:t>2/7/2023</a:t>
             </a:fld>
             <a:endParaRPr lang="en-US"/>
           </a:p>
@@ -2101,7 +2104,7 @@
           <a:p>
             <a:fld id="{F746D7A6-BAA1-4156-994B-365B25D61719}" type="datetimeFigureOut">
               <a:rPr lang="en-US" smtClean="0"/>
-              <a:t>2/2/2023</a:t>
+              <a:t>2/7/2023</a:t>
             </a:fld>
             <a:endParaRPr lang="en-US"/>
           </a:p>
@@ -2414,7 +2417,7 @@
           <a:p>
             <a:fld id="{F746D7A6-BAA1-4156-994B-365B25D61719}" type="datetimeFigureOut">
               <a:rPr lang="en-US" smtClean="0"/>
-              <a:t>2/2/2023</a:t>
+              <a:t>2/7/2023</a:t>
             </a:fld>
             <a:endParaRPr lang="en-US"/>
           </a:p>
@@ -2703,7 +2706,7 @@
           <a:p>
             <a:fld id="{F746D7A6-BAA1-4156-994B-365B25D61719}" type="datetimeFigureOut">
               <a:rPr lang="en-US" smtClean="0"/>
-              <a:t>2/2/2023</a:t>
+              <a:t>2/7/2023</a:t>
             </a:fld>
             <a:endParaRPr lang="en-US"/>
           </a:p>
@@ -2946,7 +2949,7 @@
           <a:p>
             <a:fld id="{F746D7A6-BAA1-4156-994B-365B25D61719}" type="datetimeFigureOut">
               <a:rPr lang="en-US" smtClean="0"/>
-              <a:t>2/2/2023</a:t>
+              <a:t>2/7/2023</a:t>
             </a:fld>
             <a:endParaRPr lang="en-US"/>
           </a:p>
@@ -3349,6 +3352,14 @@
 <file path=ppt/slides/slide1.xml><?xml version="1.0" encoding="utf-8"?>
 <p:sld xmlns:a="http://schemas.openxmlformats.org/drawingml/2006/main" xmlns:r="http://schemas.openxmlformats.org/officeDocument/2006/relationships" xmlns:p="http://schemas.openxmlformats.org/presentationml/2006/main">
   <p:cSld>
+    <p:bg>
+      <p:bgPr>
+        <a:solidFill>
+          <a:schemeClr val="bg1"/>
+        </a:solidFill>
+        <a:effectLst/>
+      </p:bgPr>
+    </p:bg>
     <p:spTree>
       <p:nvGrpSpPr>
         <p:cNvPr id="1" name=""/>
@@ -3363,12 +3374,193 @@
           <a:chExt cx="0" cy="0"/>
         </a:xfrm>
       </p:grpSpPr>
+      <p:sp useBgFill="1">
+        <p:nvSpPr>
+          <p:cNvPr id="10" name="Rectangle 9">
+            <a:extLst>
+              <a:ext uri="{FF2B5EF4-FFF2-40B4-BE49-F238E27FC236}">
+                <a16:creationId xmlns:a16="http://schemas.microsoft.com/office/drawing/2014/main" id="{E91DC736-0EF8-4F87-9146-EBF1D2EE4D3D}"/>
+              </a:ext>
+              <a:ext uri="{C183D7F6-B498-43B3-948B-1728B52AA6E4}">
+                <adec:decorative xmlns:adec="http://schemas.microsoft.com/office/drawing/2017/decorative" val="1"/>
+              </a:ext>
+            </a:extLst>
+          </p:cNvPr>
+          <p:cNvSpPr>
+            <a:spLocks noGrp="1" noRot="1" noChangeAspect="1" noMove="1" noResize="1" noEditPoints="1" noAdjustHandles="1" noChangeArrowheads="1" noChangeShapeType="1" noTextEdit="1"/>
+          </p:cNvSpPr>
+          <p:nvPr>
+            <p:extLst>
+              <p:ext uri="{386F3935-93C4-4BCD-93E2-E3B085C9AB24}">
+                <p16:designElem xmlns:p16="http://schemas.microsoft.com/office/powerpoint/2015/main" val="1"/>
+              </p:ext>
+            </p:extLst>
+          </p:nvPr>
+        </p:nvSpPr>
+        <p:spPr>
+          <a:xfrm>
+            <a:off x="0" y="0"/>
+            <a:ext cx="12192000" cy="6858000"/>
+          </a:xfrm>
+          <a:prstGeom prst="rect">
+            <a:avLst/>
+          </a:prstGeom>
+          <a:ln>
+            <a:noFill/>
+          </a:ln>
+        </p:spPr>
+        <p:style>
+          <a:lnRef idx="2">
+            <a:schemeClr val="accent1">
+              <a:shade val="50000"/>
+            </a:schemeClr>
+          </a:lnRef>
+          <a:fillRef idx="1">
+            <a:schemeClr val="accent1"/>
+          </a:fillRef>
+          <a:effectRef idx="0">
+            <a:schemeClr val="accent1"/>
+          </a:effectRef>
+          <a:fontRef idx="minor">
+            <a:schemeClr val="lt1"/>
+          </a:fontRef>
+        </p:style>
+        <p:txBody>
+          <a:bodyPr rtlCol="0" anchor="ctr"/>
+          <a:lstStyle/>
+          <a:p>
+            <a:pPr algn="ctr"/>
+            <a:endParaRPr lang="en-US"/>
+          </a:p>
+        </p:txBody>
+      </p:sp>
+      <p:pic>
+        <p:nvPicPr>
+          <p:cNvPr id="5" name="图片 4" descr="卡通人物&#10;&#10;中度可信度描述已自动生成">
+            <a:extLst>
+              <a:ext uri="{FF2B5EF4-FFF2-40B4-BE49-F238E27FC236}">
+                <a16:creationId xmlns:a16="http://schemas.microsoft.com/office/drawing/2014/main" id="{818DE365-5029-2961-044E-A25B04EB7C47}"/>
+              </a:ext>
+            </a:extLst>
+          </p:cNvPr>
+          <p:cNvPicPr>
+            <a:picLocks noChangeAspect="1"/>
+          </p:cNvPicPr>
+          <p:nvPr/>
+        </p:nvPicPr>
+        <p:blipFill rotWithShape="1">
+          <a:blip r:embed="rId2">
+            <a:extLst>
+              <a:ext uri="{28A0092B-C50C-407E-A947-70E740481C1C}">
+                <a14:useLocalDpi xmlns:a14="http://schemas.microsoft.com/office/drawing/2010/main" val="0"/>
+              </a:ext>
+            </a:extLst>
+          </a:blip>
+          <a:srcRect r="-1" b="7197"/>
+          <a:stretch/>
+        </p:blipFill>
+        <p:spPr>
+          <a:xfrm>
+            <a:off x="3523488" y="10"/>
+            <a:ext cx="8668512" cy="6857990"/>
+          </a:xfrm>
+          <a:prstGeom prst="rect">
+            <a:avLst/>
+          </a:prstGeom>
+        </p:spPr>
+      </p:pic>
+      <p:sp>
+        <p:nvSpPr>
+          <p:cNvPr id="12" name="Rectangle 11">
+            <a:extLst>
+              <a:ext uri="{FF2B5EF4-FFF2-40B4-BE49-F238E27FC236}">
+                <a16:creationId xmlns:a16="http://schemas.microsoft.com/office/drawing/2014/main" id="{097CD68E-23E3-4007-8847-CD0944C4F7BE}"/>
+              </a:ext>
+              <a:ext uri="{C183D7F6-B498-43B3-948B-1728B52AA6E4}">
+                <adec:decorative xmlns:adec="http://schemas.microsoft.com/office/drawing/2017/decorative" val="1"/>
+              </a:ext>
+            </a:extLst>
+          </p:cNvPr>
+          <p:cNvSpPr>
+            <a:spLocks noGrp="1" noRot="1" noChangeAspect="1" noMove="1" noResize="1" noEditPoints="1" noAdjustHandles="1" noChangeArrowheads="1" noChangeShapeType="1" noTextEdit="1"/>
+          </p:cNvSpPr>
+          <p:nvPr>
+            <p:extLst>
+              <p:ext uri="{386F3935-93C4-4BCD-93E2-E3B085C9AB24}">
+                <p16:designElem xmlns:p16="http://schemas.microsoft.com/office/powerpoint/2015/main" val="1"/>
+              </p:ext>
+            </p:extLst>
+          </p:nvPr>
+        </p:nvSpPr>
+        <p:spPr>
+          <a:xfrm>
+            <a:off x="0" y="0"/>
+            <a:ext cx="9756601" cy="6858000"/>
+          </a:xfrm>
+          <a:prstGeom prst="rect">
+            <a:avLst/>
+          </a:prstGeom>
+          <a:gradFill>
+            <a:gsLst>
+              <a:gs pos="58000">
+                <a:schemeClr val="bg1"/>
+              </a:gs>
+              <a:gs pos="35000">
+                <a:schemeClr val="bg1">
+                  <a:alpha val="79000"/>
+                </a:schemeClr>
+              </a:gs>
+              <a:gs pos="19000">
+                <a:schemeClr val="bg1">
+                  <a:alpha val="38000"/>
+                </a:schemeClr>
+              </a:gs>
+              <a:gs pos="0">
+                <a:schemeClr val="bg1">
+                  <a:alpha val="0"/>
+                </a:schemeClr>
+              </a:gs>
+              <a:gs pos="100000">
+                <a:schemeClr val="bg1"/>
+              </a:gs>
+            </a:gsLst>
+            <a:lin ang="10800000" scaled="0"/>
+          </a:gradFill>
+          <a:ln>
+            <a:noFill/>
+          </a:ln>
+        </p:spPr>
+        <p:style>
+          <a:lnRef idx="2">
+            <a:schemeClr val="accent1">
+              <a:shade val="50000"/>
+            </a:schemeClr>
+          </a:lnRef>
+          <a:fillRef idx="1">
+            <a:schemeClr val="accent1"/>
+          </a:fillRef>
+          <a:effectRef idx="0">
+            <a:schemeClr val="accent1"/>
+          </a:effectRef>
+          <a:fontRef idx="minor">
+            <a:schemeClr val="lt1"/>
+          </a:fontRef>
+        </p:style>
+        <p:txBody>
+          <a:bodyPr rtlCol="0" anchor="ctr"/>
+          <a:lstStyle/>
+          <a:p>
+            <a:pPr algn="ctr"/>
+            <a:endParaRPr lang="en-US" dirty="0"/>
+          </a:p>
+        </p:txBody>
+      </p:sp>
       <p:sp>
         <p:nvSpPr>
           <p:cNvPr id="2" name="标题 1">
             <a:extLst>
               <a:ext uri="{FF2B5EF4-FFF2-40B4-BE49-F238E27FC236}">
-                <a16:creationId xmlns:a16="http://schemas.microsoft.com/office/drawing/2014/main" id="{351895D8-CF51-0AE1-DAEA-027721CF128F}"/>
+                <a16:creationId xmlns:a16="http://schemas.microsoft.com/office/drawing/2014/main" id="{2376EE75-04D6-A2EE-6747-B6348DA4669B}"/>
               </a:ext>
             </a:extLst>
           </p:cNvPr>
@@ -3379,14 +3571,22 @@
             <p:ph type="ctrTitle"/>
           </p:nvPr>
         </p:nvSpPr>
-        <p:spPr/>
-        <p:txBody>
-          <a:bodyPr/>
-          <a:lstStyle/>
-          <a:p>
-            <a:r>
-              <a:rPr lang="en-US" dirty="0"/>
-              <a:t>Anime Music</a:t>
+        <p:spPr>
+          <a:xfrm>
+            <a:off x="477981" y="1122363"/>
+            <a:ext cx="4023360" cy="3204134"/>
+          </a:xfrm>
+        </p:spPr>
+        <p:txBody>
+          <a:bodyPr anchor="b">
+            <a:normAutofit/>
+          </a:bodyPr>
+          <a:lstStyle/>
+          <a:p>
+            <a:pPr algn="l"/>
+            <a:r>
+              <a:rPr lang="en-US" sz="4800" dirty="0"/>
+              <a:t>The Beauty and Diversity of Chinese Music</a:t>
             </a:r>
           </a:p>
         </p:txBody>
@@ -3396,7 +3596,7 @@
           <p:cNvPr id="3" name="副标题 2">
             <a:extLst>
               <a:ext uri="{FF2B5EF4-FFF2-40B4-BE49-F238E27FC236}">
-                <a16:creationId xmlns:a16="http://schemas.microsoft.com/office/drawing/2014/main" id="{B99BBDF0-36C1-341E-4F06-D6EDA5EA5D6D}"/>
+                <a16:creationId xmlns:a16="http://schemas.microsoft.com/office/drawing/2014/main" id="{A433A72D-C4C0-F368-AC83-CFFF91CA521A}"/>
               </a:ext>
             </a:extLst>
           </p:cNvPr>
@@ -3407,25 +3607,191 @@
             <p:ph type="subTitle" idx="1"/>
           </p:nvPr>
         </p:nvSpPr>
-        <p:spPr/>
-        <p:txBody>
-          <a:bodyPr/>
-          <a:lstStyle/>
-          <a:p>
-            <a:r>
-              <a:rPr lang="en-US" dirty="0"/>
+        <p:spPr>
+          <a:xfrm>
+            <a:off x="477980" y="4872922"/>
+            <a:ext cx="4023359" cy="1208141"/>
+          </a:xfrm>
+        </p:spPr>
+        <p:txBody>
+          <a:bodyPr>
+            <a:normAutofit/>
+          </a:bodyPr>
+          <a:lstStyle/>
+          <a:p>
+            <a:pPr algn="l"/>
+            <a:r>
+              <a:rPr lang="en-US" sz="2000"/>
               <a:t>Houming Ge</a:t>
             </a:r>
           </a:p>
-          <a:p>
-            <a:endParaRPr lang="en-US" dirty="0"/>
+        </p:txBody>
+      </p:sp>
+      <p:sp>
+        <p:nvSpPr>
+          <p:cNvPr id="14" name="Rectangle 13">
+            <a:extLst>
+              <a:ext uri="{FF2B5EF4-FFF2-40B4-BE49-F238E27FC236}">
+                <a16:creationId xmlns:a16="http://schemas.microsoft.com/office/drawing/2014/main" id="{AF2F604E-43BE-4DC3-B983-E071523364F8}"/>
+              </a:ext>
+              <a:ext uri="{C183D7F6-B498-43B3-948B-1728B52AA6E4}">
+                <adec:decorative xmlns:adec="http://schemas.microsoft.com/office/drawing/2017/decorative" val="1"/>
+              </a:ext>
+            </a:extLst>
+          </p:cNvPr>
+          <p:cNvSpPr>
+            <a:spLocks noGrp="1" noRot="1" noChangeAspect="1" noMove="1" noResize="1" noEditPoints="1" noAdjustHandles="1" noChangeArrowheads="1" noChangeShapeType="1" noTextEdit="1"/>
+          </p:cNvSpPr>
+          <p:nvPr>
+            <p:extLst>
+              <p:ext uri="{386F3935-93C4-4BCD-93E2-E3B085C9AB24}">
+                <p16:designElem xmlns:p16="http://schemas.microsoft.com/office/powerpoint/2015/main" val="1"/>
+              </p:ext>
+            </p:extLst>
+          </p:nvPr>
+        </p:nvSpPr>
+        <p:spPr>
+          <a:xfrm rot="5400000">
+            <a:off x="759921" y="346791"/>
+            <a:ext cx="146304" cy="704088"/>
+          </a:xfrm>
+          <a:prstGeom prst="rect">
+            <a:avLst/>
+          </a:prstGeom>
+          <a:solidFill>
+            <a:schemeClr val="accent2"/>
+          </a:solidFill>
+          <a:ln>
+            <a:noFill/>
+          </a:ln>
+        </p:spPr>
+        <p:style>
+          <a:lnRef idx="2">
+            <a:schemeClr val="accent1">
+              <a:shade val="50000"/>
+            </a:schemeClr>
+          </a:lnRef>
+          <a:fillRef idx="1">
+            <a:schemeClr val="accent1"/>
+          </a:fillRef>
+          <a:effectRef idx="0">
+            <a:schemeClr val="accent1"/>
+          </a:effectRef>
+          <a:fontRef idx="minor">
+            <a:schemeClr val="lt1"/>
+          </a:fontRef>
+        </p:style>
+        <p:txBody>
+          <a:bodyPr rtlCol="0" anchor="ctr"/>
+          <a:lstStyle/>
+          <a:p>
+            <a:pPr algn="ctr"/>
+            <a:endParaRPr lang="en-US">
+              <a:solidFill>
+                <a:prstClr val="white"/>
+              </a:solidFill>
+              <a:latin typeface="Calibri" panose="020F0502020204030204"/>
+            </a:endParaRPr>
+          </a:p>
+        </p:txBody>
+      </p:sp>
+      <p:sp>
+        <p:nvSpPr>
+          <p:cNvPr id="16" name="Rectangle 15">
+            <a:extLst>
+              <a:ext uri="{FF2B5EF4-FFF2-40B4-BE49-F238E27FC236}">
+                <a16:creationId xmlns:a16="http://schemas.microsoft.com/office/drawing/2014/main" id="{08C9B587-E65E-4B52-B37C-ABEBB6E87928}"/>
+              </a:ext>
+              <a:ext uri="{C183D7F6-B498-43B3-948B-1728B52AA6E4}">
+                <adec:decorative xmlns:adec="http://schemas.microsoft.com/office/drawing/2017/decorative" val="1"/>
+              </a:ext>
+            </a:extLst>
+          </p:cNvPr>
+          <p:cNvSpPr>
+            <a:spLocks noGrp="1" noRot="1" noChangeAspect="1" noMove="1" noResize="1" noEditPoints="1" noAdjustHandles="1" noChangeArrowheads="1" noChangeShapeType="1" noTextEdit="1"/>
+          </p:cNvSpPr>
+          <p:nvPr>
+            <p:extLst>
+              <p:ext uri="{386F3935-93C4-4BCD-93E2-E3B085C9AB24}">
+                <p16:designElem xmlns:p16="http://schemas.microsoft.com/office/powerpoint/2015/main" val="1"/>
+              </p:ext>
+            </p:extLst>
+          </p:nvPr>
+        </p:nvSpPr>
+        <p:spPr>
+          <a:xfrm>
+            <a:off x="481029" y="4546920"/>
+            <a:ext cx="3977640" cy="18288"/>
+          </a:xfrm>
+          <a:prstGeom prst="rect">
+            <a:avLst/>
+          </a:prstGeom>
+          <a:solidFill>
+            <a:srgbClr val="D5D5D5"/>
+          </a:solidFill>
+          <a:ln w="3175">
+            <a:noFill/>
+          </a:ln>
+          <a:effectLst/>
+        </p:spPr>
+        <p:style>
+          <a:lnRef idx="2">
+            <a:schemeClr val="accent1">
+              <a:shade val="50000"/>
+            </a:schemeClr>
+          </a:lnRef>
+          <a:fillRef idx="1">
+            <a:schemeClr val="accent1"/>
+          </a:fillRef>
+          <a:effectRef idx="0">
+            <a:schemeClr val="accent1"/>
+          </a:effectRef>
+          <a:fontRef idx="minor">
+            <a:schemeClr val="lt1"/>
+          </a:fontRef>
+        </p:style>
+        <p:txBody>
+          <a:bodyPr rtlCol="0" anchor="ctr"/>
+          <a:lstStyle/>
+          <a:p>
+            <a:pPr marL="0" marR="0" lvl="0" indent="0" algn="ctr" defTabSz="914400" rtl="0" eaLnBrk="1" fontAlgn="auto" latinLnBrk="0" hangingPunct="1">
+              <a:lnSpc>
+                <a:spcPct val="100000"/>
+              </a:lnSpc>
+              <a:spcBef>
+                <a:spcPts val="0"/>
+              </a:spcBef>
+              <a:spcAft>
+                <a:spcPts val="0"/>
+              </a:spcAft>
+              <a:buClrTx/>
+              <a:buSzTx/>
+              <a:buFontTx/>
+              <a:buNone/>
+              <a:tabLst/>
+              <a:defRPr/>
+            </a:pPr>
+            <a:endParaRPr kumimoji="0" lang="en-US" sz="1800" b="0" i="0" u="none" strike="noStrike" kern="1200" cap="none" spc="0" normalizeH="0" baseline="0" noProof="0">
+              <a:ln>
+                <a:noFill/>
+              </a:ln>
+              <a:solidFill>
+                <a:prstClr val="white"/>
+              </a:solidFill>
+              <a:effectLst/>
+              <a:uLnTx/>
+              <a:uFillTx/>
+              <a:latin typeface="Calibri" panose="020F0502020204030204"/>
+              <a:ea typeface="+mn-ea"/>
+              <a:cs typeface="+mn-cs"/>
+            </a:endParaRPr>
           </a:p>
         </p:txBody>
       </p:sp>
     </p:spTree>
     <p:extLst>
       <p:ext uri="{BB962C8B-B14F-4D97-AF65-F5344CB8AC3E}">
-        <p14:creationId xmlns:p14="http://schemas.microsoft.com/office/powerpoint/2010/main" val="3640021245"/>
+        <p14:creationId xmlns:p14="http://schemas.microsoft.com/office/powerpoint/2010/main" val="2493197345"/>
       </p:ext>
     </p:extLst>
   </p:cSld>
@@ -3436,6 +3802,3028 @@
 </file>
 
 <file path=ppt/slides/slide2.xml><?xml version="1.0" encoding="utf-8"?>
+<p:sld xmlns:a="http://schemas.openxmlformats.org/drawingml/2006/main" xmlns:r="http://schemas.openxmlformats.org/officeDocument/2006/relationships" xmlns:p="http://schemas.openxmlformats.org/presentationml/2006/main">
+  <p:cSld>
+    <p:bg>
+      <p:bgPr>
+        <a:solidFill>
+          <a:schemeClr val="bg1"/>
+        </a:solidFill>
+        <a:effectLst/>
+      </p:bgPr>
+    </p:bg>
+    <p:spTree>
+      <p:nvGrpSpPr>
+        <p:cNvPr id="1" name=""/>
+        <p:cNvGrpSpPr/>
+        <p:nvPr/>
+      </p:nvGrpSpPr>
+      <p:grpSpPr>
+        <a:xfrm>
+          <a:off x="0" y="0"/>
+          <a:ext cx="0" cy="0"/>
+          <a:chOff x="0" y="0"/>
+          <a:chExt cx="0" cy="0"/>
+        </a:xfrm>
+      </p:grpSpPr>
+      <p:sp>
+        <p:nvSpPr>
+          <p:cNvPr id="2" name="标题 1">
+            <a:extLst>
+              <a:ext uri="{FF2B5EF4-FFF2-40B4-BE49-F238E27FC236}">
+                <a16:creationId xmlns:a16="http://schemas.microsoft.com/office/drawing/2014/main" id="{01BAC34D-3C5D-F6D7-9652-218B3A22E019}"/>
+              </a:ext>
+            </a:extLst>
+          </p:cNvPr>
+          <p:cNvSpPr>
+            <a:spLocks noGrp="1"/>
+          </p:cNvSpPr>
+          <p:nvPr>
+            <p:ph type="title"/>
+          </p:nvPr>
+        </p:nvSpPr>
+        <p:spPr>
+          <a:xfrm>
+            <a:off x="648929" y="629266"/>
+            <a:ext cx="3505495" cy="1622321"/>
+          </a:xfrm>
+        </p:spPr>
+        <p:txBody>
+          <a:bodyPr>
+            <a:normAutofit/>
+          </a:bodyPr>
+          <a:lstStyle/>
+          <a:p>
+            <a:r>
+              <a:rPr lang="en-US" dirty="0"/>
+              <a:t>Introduction:</a:t>
+            </a:r>
+          </a:p>
+        </p:txBody>
+      </p:sp>
+      <p:sp>
+        <p:nvSpPr>
+          <p:cNvPr id="3" name="内容占位符 2">
+            <a:extLst>
+              <a:ext uri="{FF2B5EF4-FFF2-40B4-BE49-F238E27FC236}">
+                <a16:creationId xmlns:a16="http://schemas.microsoft.com/office/drawing/2014/main" id="{78E6E2F0-95AA-371F-9A45-8E9C23457988}"/>
+              </a:ext>
+            </a:extLst>
+          </p:cNvPr>
+          <p:cNvSpPr>
+            <a:spLocks noGrp="1"/>
+          </p:cNvSpPr>
+          <p:nvPr>
+            <p:ph idx="1"/>
+          </p:nvPr>
+        </p:nvSpPr>
+        <p:spPr>
+          <a:xfrm>
+            <a:off x="648931" y="2438400"/>
+            <a:ext cx="3505494" cy="3785419"/>
+          </a:xfrm>
+        </p:spPr>
+        <p:txBody>
+          <a:bodyPr>
+            <a:normAutofit/>
+          </a:bodyPr>
+          <a:lstStyle/>
+          <a:p>
+            <a:r>
+              <a:rPr lang="en-US" sz="2000"/>
+              <a:t>"Music is the art which is most nigh to tears and memories." - Oscar Wilde</a:t>
+            </a:r>
+          </a:p>
+        </p:txBody>
+      </p:sp>
+      <p:sp>
+        <p:nvSpPr>
+          <p:cNvPr id="10" name="Rectangle 9">
+            <a:extLst>
+              <a:ext uri="{FF2B5EF4-FFF2-40B4-BE49-F238E27FC236}">
+                <a16:creationId xmlns:a16="http://schemas.microsoft.com/office/drawing/2014/main" id="{5E39A796-BE83-48B1-B33F-35C4A32AAB57}"/>
+              </a:ext>
+              <a:ext uri="{C183D7F6-B498-43B3-948B-1728B52AA6E4}">
+                <adec:decorative xmlns:adec="http://schemas.microsoft.com/office/drawing/2017/decorative" val="1"/>
+              </a:ext>
+            </a:extLst>
+          </p:cNvPr>
+          <p:cNvSpPr>
+            <a:spLocks noGrp="1" noRot="1" noChangeAspect="1" noMove="1" noResize="1" noEditPoints="1" noAdjustHandles="1" noChangeArrowheads="1" noChangeShapeType="1" noTextEdit="1"/>
+          </p:cNvSpPr>
+          <p:nvPr>
+            <p:extLst>
+              <p:ext uri="{386F3935-93C4-4BCD-93E2-E3B085C9AB24}">
+                <p16:designElem xmlns:p16="http://schemas.microsoft.com/office/powerpoint/2015/main" val="1"/>
+              </p:ext>
+            </p:extLst>
+          </p:nvPr>
+        </p:nvSpPr>
+        <p:spPr>
+          <a:xfrm>
+            <a:off x="4639056" y="0"/>
+            <a:ext cx="7552944" cy="6858000"/>
+          </a:xfrm>
+          <a:prstGeom prst="rect">
+            <a:avLst/>
+          </a:prstGeom>
+          <a:solidFill>
+            <a:srgbClr val="C8CACA"/>
+          </a:solidFill>
+          <a:ln>
+            <a:noFill/>
+          </a:ln>
+        </p:spPr>
+        <p:style>
+          <a:lnRef idx="2">
+            <a:schemeClr val="accent1">
+              <a:shade val="50000"/>
+            </a:schemeClr>
+          </a:lnRef>
+          <a:fillRef idx="1">
+            <a:schemeClr val="accent1"/>
+          </a:fillRef>
+          <a:effectRef idx="0">
+            <a:schemeClr val="accent1"/>
+          </a:effectRef>
+          <a:fontRef idx="minor">
+            <a:schemeClr val="lt1"/>
+          </a:fontRef>
+        </p:style>
+        <p:txBody>
+          <a:bodyPr rtlCol="0" anchor="ctr"/>
+          <a:lstStyle/>
+          <a:p>
+            <a:pPr algn="ctr"/>
+            <a:endParaRPr lang="en-US"/>
+          </a:p>
+        </p:txBody>
+      </p:sp>
+      <p:sp>
+        <p:nvSpPr>
+          <p:cNvPr id="12" name="Rounded Rectangle 9">
+            <a:extLst>
+              <a:ext uri="{FF2B5EF4-FFF2-40B4-BE49-F238E27FC236}">
+                <a16:creationId xmlns:a16="http://schemas.microsoft.com/office/drawing/2014/main" id="{72F84B47-E267-4194-8194-831DB7B5547F}"/>
+              </a:ext>
+              <a:ext uri="{C183D7F6-B498-43B3-948B-1728B52AA6E4}">
+                <adec:decorative xmlns:adec="http://schemas.microsoft.com/office/drawing/2017/decorative" val="1"/>
+              </a:ext>
+            </a:extLst>
+          </p:cNvPr>
+          <p:cNvSpPr>
+            <a:spLocks noGrp="1" noRot="1" noChangeAspect="1" noMove="1" noResize="1" noEditPoints="1" noAdjustHandles="1" noChangeArrowheads="1" noChangeShapeType="1" noTextEdit="1"/>
+          </p:cNvSpPr>
+          <p:nvPr>
+            <p:extLst>
+              <p:ext uri="{386F3935-93C4-4BCD-93E2-E3B085C9AB24}">
+                <p16:designElem xmlns:p16="http://schemas.microsoft.com/office/powerpoint/2015/main" val="1"/>
+              </p:ext>
+            </p:extLst>
+          </p:nvPr>
+        </p:nvSpPr>
+        <p:spPr>
+          <a:xfrm>
+            <a:off x="5123688" y="557784"/>
+            <a:ext cx="6584098" cy="5739187"/>
+          </a:xfrm>
+          <a:prstGeom prst="roundRect">
+            <a:avLst>
+              <a:gd name="adj" fmla="val 0"/>
+            </a:avLst>
+          </a:prstGeom>
+          <a:solidFill>
+            <a:srgbClr val="FFFFFF"/>
+          </a:solidFill>
+          <a:ln w="9525">
+            <a:solidFill>
+              <a:srgbClr val="C8CACA"/>
+            </a:solidFill>
+          </a:ln>
+          <a:effectLst>
+            <a:outerShdw blurRad="57150" dist="19050" dir="5400000" algn="t" rotWithShape="0">
+              <a:prstClr val="black">
+                <a:alpha val="63000"/>
+              </a:prstClr>
+            </a:outerShdw>
+          </a:effectLst>
+        </p:spPr>
+        <p:style>
+          <a:lnRef idx="2">
+            <a:schemeClr val="accent1">
+              <a:shade val="50000"/>
+            </a:schemeClr>
+          </a:lnRef>
+          <a:fillRef idx="1">
+            <a:schemeClr val="accent1"/>
+          </a:fillRef>
+          <a:effectRef idx="0">
+            <a:schemeClr val="accent1"/>
+          </a:effectRef>
+          <a:fontRef idx="minor">
+            <a:schemeClr val="lt1"/>
+          </a:fontRef>
+        </p:style>
+        <p:txBody>
+          <a:bodyPr rtlCol="0" anchor="ctr"/>
+          <a:lstStyle/>
+          <a:p>
+            <a:pPr algn="ctr"/>
+            <a:endParaRPr lang="en-US"/>
+          </a:p>
+        </p:txBody>
+      </p:sp>
+      <p:pic>
+        <p:nvPicPr>
+          <p:cNvPr id="5" name="图片 4" descr="文本&#10;&#10;中度可信度描述已自动生成">
+            <a:extLst>
+              <a:ext uri="{FF2B5EF4-FFF2-40B4-BE49-F238E27FC236}">
+                <a16:creationId xmlns:a16="http://schemas.microsoft.com/office/drawing/2014/main" id="{2BDEC97A-A3A7-AC5B-87A1-955051C96C33}"/>
+              </a:ext>
+            </a:extLst>
+          </p:cNvPr>
+          <p:cNvPicPr>
+            <a:picLocks noChangeAspect="1"/>
+          </p:cNvPicPr>
+          <p:nvPr/>
+        </p:nvPicPr>
+        <p:blipFill>
+          <a:blip r:embed="rId2">
+            <a:extLst>
+              <a:ext uri="{28A0092B-C50C-407E-A947-70E740481C1C}">
+                <a14:useLocalDpi xmlns:a14="http://schemas.microsoft.com/office/drawing/2010/main" val="0"/>
+              </a:ext>
+            </a:extLst>
+          </a:blip>
+          <a:stretch>
+            <a:fillRect/>
+          </a:stretch>
+        </p:blipFill>
+        <p:spPr>
+          <a:xfrm>
+            <a:off x="5769281" y="807593"/>
+            <a:ext cx="5292492" cy="5239568"/>
+          </a:xfrm>
+          <a:prstGeom prst="rect">
+            <a:avLst/>
+          </a:prstGeom>
+          <a:effectLst/>
+        </p:spPr>
+      </p:pic>
+    </p:spTree>
+    <p:extLst>
+      <p:ext uri="{BB962C8B-B14F-4D97-AF65-F5344CB8AC3E}">
+        <p14:creationId xmlns:p14="http://schemas.microsoft.com/office/powerpoint/2010/main" val="1853623262"/>
+      </p:ext>
+    </p:extLst>
+  </p:cSld>
+  <p:clrMapOvr>
+    <a:masterClrMapping/>
+  </p:clrMapOvr>
+</p:sld>
+</file>
+
+<file path=ppt/slides/slide3.xml><?xml version="1.0" encoding="utf-8"?>
+<p:sld xmlns:a="http://schemas.openxmlformats.org/drawingml/2006/main" xmlns:r="http://schemas.openxmlformats.org/officeDocument/2006/relationships" xmlns:p="http://schemas.openxmlformats.org/presentationml/2006/main">
+  <p:cSld>
+    <p:bg>
+      <p:bgPr>
+        <a:solidFill>
+          <a:schemeClr val="bg1"/>
+        </a:solidFill>
+        <a:effectLst/>
+      </p:bgPr>
+    </p:bg>
+    <p:spTree>
+      <p:nvGrpSpPr>
+        <p:cNvPr id="1" name=""/>
+        <p:cNvGrpSpPr/>
+        <p:nvPr/>
+      </p:nvGrpSpPr>
+      <p:grpSpPr>
+        <a:xfrm>
+          <a:off x="0" y="0"/>
+          <a:ext cx="0" cy="0"/>
+          <a:chOff x="0" y="0"/>
+          <a:chExt cx="0" cy="0"/>
+        </a:xfrm>
+      </p:grpSpPr>
+      <p:sp useBgFill="1">
+        <p:nvSpPr>
+          <p:cNvPr id="30" name="Rectangle 29">
+            <a:extLst>
+              <a:ext uri="{FF2B5EF4-FFF2-40B4-BE49-F238E27FC236}">
+                <a16:creationId xmlns:a16="http://schemas.microsoft.com/office/drawing/2014/main" id="{D7D03296-BABA-47AD-A5D5-ED156727016E}"/>
+              </a:ext>
+              <a:ext uri="{C183D7F6-B498-43B3-948B-1728B52AA6E4}">
+                <adec:decorative xmlns:adec="http://schemas.microsoft.com/office/drawing/2017/decorative" val="1"/>
+              </a:ext>
+            </a:extLst>
+          </p:cNvPr>
+          <p:cNvSpPr>
+            <a:spLocks noGrp="1" noRot="1" noChangeAspect="1" noMove="1" noResize="1" noEditPoints="1" noAdjustHandles="1" noChangeArrowheads="1" noChangeShapeType="1" noTextEdit="1"/>
+          </p:cNvSpPr>
+          <p:nvPr>
+            <p:extLst>
+              <p:ext uri="{386F3935-93C4-4BCD-93E2-E3B085C9AB24}">
+                <p16:designElem xmlns:p16="http://schemas.microsoft.com/office/powerpoint/2015/main" val="1"/>
+              </p:ext>
+            </p:extLst>
+          </p:nvPr>
+        </p:nvSpPr>
+        <p:spPr>
+          <a:xfrm>
+            <a:off x="0" y="0"/>
+            <a:ext cx="12192000" cy="6858000"/>
+          </a:xfrm>
+          <a:prstGeom prst="rect">
+            <a:avLst/>
+          </a:prstGeom>
+          <a:ln>
+            <a:noFill/>
+          </a:ln>
+        </p:spPr>
+        <p:style>
+          <a:lnRef idx="2">
+            <a:schemeClr val="accent1">
+              <a:shade val="50000"/>
+            </a:schemeClr>
+          </a:lnRef>
+          <a:fillRef idx="1">
+            <a:schemeClr val="accent1"/>
+          </a:fillRef>
+          <a:effectRef idx="0">
+            <a:schemeClr val="accent1"/>
+          </a:effectRef>
+          <a:fontRef idx="minor">
+            <a:schemeClr val="lt1"/>
+          </a:fontRef>
+        </p:style>
+        <p:txBody>
+          <a:bodyPr rtlCol="0" anchor="ctr"/>
+          <a:lstStyle/>
+          <a:p>
+            <a:pPr algn="ctr"/>
+            <a:endParaRPr lang="en-US"/>
+          </a:p>
+        </p:txBody>
+      </p:sp>
+      <p:sp>
+        <p:nvSpPr>
+          <p:cNvPr id="2" name="标题 1">
+            <a:extLst>
+              <a:ext uri="{FF2B5EF4-FFF2-40B4-BE49-F238E27FC236}">
+                <a16:creationId xmlns:a16="http://schemas.microsoft.com/office/drawing/2014/main" id="{E3BEBB0D-E9C4-A09D-1D00-844F9698A379}"/>
+              </a:ext>
+            </a:extLst>
+          </p:cNvPr>
+          <p:cNvSpPr>
+            <a:spLocks noGrp="1"/>
+          </p:cNvSpPr>
+          <p:nvPr>
+            <p:ph type="title"/>
+          </p:nvPr>
+        </p:nvSpPr>
+        <p:spPr>
+          <a:xfrm>
+            <a:off x="838200" y="226061"/>
+            <a:ext cx="10515600" cy="1092050"/>
+          </a:xfrm>
+        </p:spPr>
+        <p:txBody>
+          <a:bodyPr vert="horz" lIns="91440" tIns="45720" rIns="91440" bIns="45720" rtlCol="0" anchor="b">
+            <a:normAutofit/>
+          </a:bodyPr>
+          <a:lstStyle/>
+          <a:p>
+            <a:pPr algn="ctr"/>
+            <a:r>
+              <a:rPr lang="en-US" sz="5200"/>
+              <a:t>The Different Styles of Chinese Music</a:t>
+            </a:r>
+          </a:p>
+        </p:txBody>
+      </p:sp>
+      <p:sp useBgFill="1">
+        <p:nvSpPr>
+          <p:cNvPr id="32" name="Rectangle 31">
+            <a:extLst>
+              <a:ext uri="{FF2B5EF4-FFF2-40B4-BE49-F238E27FC236}">
+                <a16:creationId xmlns:a16="http://schemas.microsoft.com/office/drawing/2014/main" id="{284A8429-F65A-490D-96E4-1158D3E8A026}"/>
+              </a:ext>
+              <a:ext uri="{C183D7F6-B498-43B3-948B-1728B52AA6E4}">
+                <adec:decorative xmlns:adec="http://schemas.microsoft.com/office/drawing/2017/decorative" val="1"/>
+              </a:ext>
+            </a:extLst>
+          </p:cNvPr>
+          <p:cNvSpPr>
+            <a:spLocks noGrp="1" noRot="1" noChangeAspect="1" noMove="1" noResize="1" noEditPoints="1" noAdjustHandles="1" noChangeArrowheads="1" noChangeShapeType="1" noTextEdit="1"/>
+          </p:cNvSpPr>
+          <p:nvPr>
+            <p:extLst>
+              <p:ext uri="{386F3935-93C4-4BCD-93E2-E3B085C9AB24}">
+                <p16:designElem xmlns:p16="http://schemas.microsoft.com/office/powerpoint/2015/main" val="1"/>
+              </p:ext>
+            </p:extLst>
+          </p:nvPr>
+        </p:nvSpPr>
+        <p:spPr>
+          <a:xfrm>
+            <a:off x="838199" y="1396083"/>
+            <a:ext cx="10515599" cy="822960"/>
+          </a:xfrm>
+          <a:prstGeom prst="rect">
+            <a:avLst/>
+          </a:prstGeom>
+          <a:ln w="12700">
+            <a:solidFill>
+              <a:srgbClr val="DEDEDE"/>
+            </a:solidFill>
+          </a:ln>
+          <a:effectLst>
+            <a:outerShdw blurRad="50800" dist="38100" dir="2700000" algn="tl" rotWithShape="0">
+              <a:schemeClr val="bg1">
+                <a:lumMod val="85000"/>
+                <a:alpha val="50000"/>
+              </a:schemeClr>
+            </a:outerShdw>
+          </a:effectLst>
+        </p:spPr>
+        <p:style>
+          <a:lnRef idx="2">
+            <a:schemeClr val="accent1">
+              <a:shade val="50000"/>
+            </a:schemeClr>
+          </a:lnRef>
+          <a:fillRef idx="1">
+            <a:schemeClr val="accent1"/>
+          </a:fillRef>
+          <a:effectRef idx="0">
+            <a:schemeClr val="accent1"/>
+          </a:effectRef>
+          <a:fontRef idx="minor">
+            <a:schemeClr val="lt1"/>
+          </a:fontRef>
+        </p:style>
+        <p:txBody>
+          <a:bodyPr rtlCol="0" anchor="ctr"/>
+          <a:lstStyle/>
+          <a:p>
+            <a:pPr marL="0" marR="0" lvl="0" indent="0" algn="ctr" defTabSz="914400" rtl="0" eaLnBrk="1" fontAlgn="auto" latinLnBrk="0" hangingPunct="1">
+              <a:lnSpc>
+                <a:spcPct val="100000"/>
+              </a:lnSpc>
+              <a:spcBef>
+                <a:spcPts val="0"/>
+              </a:spcBef>
+              <a:spcAft>
+                <a:spcPts val="0"/>
+              </a:spcAft>
+              <a:buClrTx/>
+              <a:buSzTx/>
+              <a:buFontTx/>
+              <a:buNone/>
+              <a:tabLst/>
+              <a:defRPr/>
+            </a:pPr>
+            <a:endParaRPr kumimoji="0" lang="en-US" sz="1800" b="0" i="0" u="none" strike="noStrike" kern="1200" cap="none" spc="0" normalizeH="0" baseline="0" noProof="0" dirty="0">
+              <a:ln>
+                <a:noFill/>
+              </a:ln>
+              <a:solidFill>
+                <a:prstClr val="white"/>
+              </a:solidFill>
+              <a:effectLst/>
+              <a:uLnTx/>
+              <a:uFillTx/>
+              <a:latin typeface="Calibri" panose="020F0502020204030204"/>
+              <a:ea typeface="+mn-ea"/>
+              <a:cs typeface="+mn-cs"/>
+            </a:endParaRPr>
+          </a:p>
+        </p:txBody>
+      </p:sp>
+      <p:sp>
+        <p:nvSpPr>
+          <p:cNvPr id="34" name="Rectangle 33">
+            <a:extLst>
+              <a:ext uri="{FF2B5EF4-FFF2-40B4-BE49-F238E27FC236}">
+                <a16:creationId xmlns:a16="http://schemas.microsoft.com/office/drawing/2014/main" id="{0F022291-A82B-4D23-A1E0-5F9BD684669E}"/>
+              </a:ext>
+              <a:ext uri="{C183D7F6-B498-43B3-948B-1728B52AA6E4}">
+                <adec:decorative xmlns:adec="http://schemas.microsoft.com/office/drawing/2017/decorative" val="1"/>
+              </a:ext>
+            </a:extLst>
+          </p:cNvPr>
+          <p:cNvSpPr>
+            <a:spLocks noGrp="1" noRot="1" noChangeAspect="1" noMove="1" noResize="1" noEditPoints="1" noAdjustHandles="1" noChangeArrowheads="1" noChangeShapeType="1" noTextEdit="1"/>
+          </p:cNvSpPr>
+          <p:nvPr>
+            <p:extLst>
+              <p:ext uri="{386F3935-93C4-4BCD-93E2-E3B085C9AB24}">
+                <p16:designElem xmlns:p16="http://schemas.microsoft.com/office/powerpoint/2015/main" val="1"/>
+              </p:ext>
+            </p:extLst>
+          </p:nvPr>
+        </p:nvSpPr>
+        <p:spPr>
+          <a:xfrm rot="5400000">
+            <a:off x="6041136" y="1859832"/>
+            <a:ext cx="109728" cy="731520"/>
+          </a:xfrm>
+          <a:prstGeom prst="rect">
+            <a:avLst/>
+          </a:prstGeom>
+          <a:solidFill>
+            <a:schemeClr val="accent2"/>
+          </a:solidFill>
+          <a:ln>
+            <a:noFill/>
+          </a:ln>
+        </p:spPr>
+        <p:style>
+          <a:lnRef idx="2">
+            <a:schemeClr val="accent1">
+              <a:shade val="50000"/>
+            </a:schemeClr>
+          </a:lnRef>
+          <a:fillRef idx="1">
+            <a:schemeClr val="accent1"/>
+          </a:fillRef>
+          <a:effectRef idx="0">
+            <a:schemeClr val="accent1"/>
+          </a:effectRef>
+          <a:fontRef idx="minor">
+            <a:schemeClr val="lt1"/>
+          </a:fontRef>
+        </p:style>
+        <p:txBody>
+          <a:bodyPr rtlCol="0" anchor="ctr"/>
+          <a:lstStyle/>
+          <a:p>
+            <a:pPr algn="ctr"/>
+            <a:endParaRPr lang="en-US">
+              <a:solidFill>
+                <a:prstClr val="white"/>
+              </a:solidFill>
+              <a:latin typeface="Calibri" panose="020F0502020204030204"/>
+            </a:endParaRPr>
+          </a:p>
+        </p:txBody>
+      </p:sp>
+      <p:pic>
+        <p:nvPicPr>
+          <p:cNvPr id="5" name="内容占位符 4" descr="图示&#10;&#10;描述已自动生成">
+            <a:extLst>
+              <a:ext uri="{FF2B5EF4-FFF2-40B4-BE49-F238E27FC236}">
+                <a16:creationId xmlns:a16="http://schemas.microsoft.com/office/drawing/2014/main" id="{39CDB278-CD40-66E4-2439-AF0ED72A574E}"/>
+              </a:ext>
+            </a:extLst>
+          </p:cNvPr>
+          <p:cNvPicPr>
+            <a:picLocks noGrp="1" noChangeAspect="1"/>
+          </p:cNvPicPr>
+          <p:nvPr>
+            <p:ph idx="1"/>
+          </p:nvPr>
+        </p:nvPicPr>
+        <p:blipFill>
+          <a:blip r:embed="rId2">
+            <a:extLst>
+              <a:ext uri="{28A0092B-C50C-407E-A947-70E740481C1C}">
+                <a14:useLocalDpi xmlns:a14="http://schemas.microsoft.com/office/drawing/2010/main" val="0"/>
+              </a:ext>
+            </a:extLst>
+          </a:blip>
+          <a:stretch>
+            <a:fillRect/>
+          </a:stretch>
+        </p:blipFill>
+        <p:spPr>
+          <a:xfrm>
+            <a:off x="838199" y="2411685"/>
+            <a:ext cx="5140661" cy="3855495"/>
+          </a:xfrm>
+          <a:prstGeom prst="rect">
+            <a:avLst/>
+          </a:prstGeom>
+        </p:spPr>
+      </p:pic>
+      <p:pic>
+        <p:nvPicPr>
+          <p:cNvPr id="7" name="图片 6" descr="图片包含 围栏, 站, 走, 女人&#10;&#10;描述已自动生成">
+            <a:extLst>
+              <a:ext uri="{FF2B5EF4-FFF2-40B4-BE49-F238E27FC236}">
+                <a16:creationId xmlns:a16="http://schemas.microsoft.com/office/drawing/2014/main" id="{9E653330-877B-F81C-B325-DC81E4D381CC}"/>
+              </a:ext>
+            </a:extLst>
+          </p:cNvPr>
+          <p:cNvPicPr>
+            <a:picLocks noChangeAspect="1"/>
+          </p:cNvPicPr>
+          <p:nvPr/>
+        </p:nvPicPr>
+        <p:blipFill rotWithShape="1">
+          <a:blip r:embed="rId3">
+            <a:extLst>
+              <a:ext uri="{28A0092B-C50C-407E-A947-70E740481C1C}">
+                <a14:useLocalDpi xmlns:a14="http://schemas.microsoft.com/office/drawing/2010/main" val="0"/>
+              </a:ext>
+            </a:extLst>
+          </a:blip>
+          <a:srcRect l="5172" t="16718" r="14907" b="15236"/>
+          <a:stretch/>
+        </p:blipFill>
+        <p:spPr>
+          <a:xfrm>
+            <a:off x="7103086" y="2399494"/>
+            <a:ext cx="3360768" cy="3879878"/>
+          </a:xfrm>
+          <a:prstGeom prst="rect">
+            <a:avLst/>
+          </a:prstGeom>
+        </p:spPr>
+      </p:pic>
+    </p:spTree>
+    <p:extLst>
+      <p:ext uri="{BB962C8B-B14F-4D97-AF65-F5344CB8AC3E}">
+        <p14:creationId xmlns:p14="http://schemas.microsoft.com/office/powerpoint/2010/main" val="2791880985"/>
+      </p:ext>
+    </p:extLst>
+  </p:cSld>
+  <p:clrMapOvr>
+    <a:masterClrMapping/>
+  </p:clrMapOvr>
+</p:sld>
+</file>
+
+<file path=ppt/slides/slide4.xml><?xml version="1.0" encoding="utf-8"?>
+<p:sld xmlns:a="http://schemas.openxmlformats.org/drawingml/2006/main" xmlns:r="http://schemas.openxmlformats.org/officeDocument/2006/relationships" xmlns:p="http://schemas.openxmlformats.org/presentationml/2006/main">
+  <p:cSld>
+    <p:bg>
+      <p:bgPr>
+        <a:solidFill>
+          <a:schemeClr val="bg1"/>
+        </a:solidFill>
+        <a:effectLst/>
+      </p:bgPr>
+    </p:bg>
+    <p:spTree>
+      <p:nvGrpSpPr>
+        <p:cNvPr id="1" name=""/>
+        <p:cNvGrpSpPr/>
+        <p:nvPr/>
+      </p:nvGrpSpPr>
+      <p:grpSpPr>
+        <a:xfrm>
+          <a:off x="0" y="0"/>
+          <a:ext cx="0" cy="0"/>
+          <a:chOff x="0" y="0"/>
+          <a:chExt cx="0" cy="0"/>
+        </a:xfrm>
+      </p:grpSpPr>
+      <p:sp useBgFill="1">
+        <p:nvSpPr>
+          <p:cNvPr id="34" name="Rectangle 33">
+            <a:extLst>
+              <a:ext uri="{FF2B5EF4-FFF2-40B4-BE49-F238E27FC236}">
+                <a16:creationId xmlns:a16="http://schemas.microsoft.com/office/drawing/2014/main" id="{18F923FF-DD0C-4FD3-A1B4-68DFA511C82D}"/>
+              </a:ext>
+              <a:ext uri="{C183D7F6-B498-43B3-948B-1728B52AA6E4}">
+                <adec:decorative xmlns:adec="http://schemas.microsoft.com/office/drawing/2017/decorative" val="1"/>
+              </a:ext>
+            </a:extLst>
+          </p:cNvPr>
+          <p:cNvSpPr>
+            <a:spLocks noGrp="1" noRot="1" noChangeAspect="1" noMove="1" noResize="1" noEditPoints="1" noAdjustHandles="1" noChangeArrowheads="1" noChangeShapeType="1" noTextEdit="1"/>
+          </p:cNvSpPr>
+          <p:nvPr>
+            <p:extLst>
+              <p:ext uri="{386F3935-93C4-4BCD-93E2-E3B085C9AB24}">
+                <p16:designElem xmlns:p16="http://schemas.microsoft.com/office/powerpoint/2015/main" val="1"/>
+              </p:ext>
+            </p:extLst>
+          </p:nvPr>
+        </p:nvSpPr>
+        <p:spPr>
+          <a:xfrm>
+            <a:off x="0" y="0"/>
+            <a:ext cx="12192000" cy="6858000"/>
+          </a:xfrm>
+          <a:prstGeom prst="rect">
+            <a:avLst/>
+          </a:prstGeom>
+          <a:ln>
+            <a:noFill/>
+          </a:ln>
+        </p:spPr>
+        <p:style>
+          <a:lnRef idx="2">
+            <a:schemeClr val="accent1">
+              <a:shade val="50000"/>
+            </a:schemeClr>
+          </a:lnRef>
+          <a:fillRef idx="1">
+            <a:schemeClr val="accent1"/>
+          </a:fillRef>
+          <a:effectRef idx="0">
+            <a:schemeClr val="accent1"/>
+          </a:effectRef>
+          <a:fontRef idx="minor">
+            <a:schemeClr val="lt1"/>
+          </a:fontRef>
+        </p:style>
+        <p:txBody>
+          <a:bodyPr rtlCol="0" anchor="ctr"/>
+          <a:lstStyle/>
+          <a:p>
+            <a:pPr algn="ctr"/>
+            <a:endParaRPr lang="en-US"/>
+          </a:p>
+        </p:txBody>
+      </p:sp>
+      <p:sp>
+        <p:nvSpPr>
+          <p:cNvPr id="2" name="标题 1">
+            <a:extLst>
+              <a:ext uri="{FF2B5EF4-FFF2-40B4-BE49-F238E27FC236}">
+                <a16:creationId xmlns:a16="http://schemas.microsoft.com/office/drawing/2014/main" id="{DE163A8F-89A8-1284-09A6-D40E3E0DBEB1}"/>
+              </a:ext>
+            </a:extLst>
+          </p:cNvPr>
+          <p:cNvSpPr>
+            <a:spLocks noGrp="1"/>
+          </p:cNvSpPr>
+          <p:nvPr>
+            <p:ph type="title"/>
+          </p:nvPr>
+        </p:nvSpPr>
+        <p:spPr>
+          <a:xfrm>
+            <a:off x="359172" y="1144769"/>
+            <a:ext cx="3724217" cy="2896432"/>
+          </a:xfrm>
+        </p:spPr>
+        <p:txBody>
+          <a:bodyPr vert="horz" lIns="91440" tIns="45720" rIns="91440" bIns="45720" rtlCol="0" anchor="b">
+            <a:normAutofit/>
+          </a:bodyPr>
+          <a:lstStyle/>
+          <a:p>
+            <a:r>
+              <a:rPr lang="en-US" sz="4000"/>
+              <a:t>The Instruments Used in Chinese Music</a:t>
+            </a:r>
+          </a:p>
+        </p:txBody>
+      </p:sp>
+      <p:sp>
+        <p:nvSpPr>
+          <p:cNvPr id="36" name="Rectangle 35">
+            <a:extLst>
+              <a:ext uri="{FF2B5EF4-FFF2-40B4-BE49-F238E27FC236}">
+                <a16:creationId xmlns:a16="http://schemas.microsoft.com/office/drawing/2014/main" id="{114A821F-8663-46BA-8CC0-D4C44F639F3A}"/>
+              </a:ext>
+              <a:ext uri="{C183D7F6-B498-43B3-948B-1728B52AA6E4}">
+                <adec:decorative xmlns:adec="http://schemas.microsoft.com/office/drawing/2017/decorative" val="1"/>
+              </a:ext>
+            </a:extLst>
+          </p:cNvPr>
+          <p:cNvSpPr>
+            <a:spLocks noGrp="1" noRot="1" noChangeAspect="1" noMove="1" noResize="1" noEditPoints="1" noAdjustHandles="1" noChangeArrowheads="1" noChangeShapeType="1" noTextEdit="1"/>
+          </p:cNvSpPr>
+          <p:nvPr>
+            <p:extLst>
+              <p:ext uri="{386F3935-93C4-4BCD-93E2-E3B085C9AB24}">
+                <p16:designElem xmlns:p16="http://schemas.microsoft.com/office/powerpoint/2015/main" val="1"/>
+              </p:ext>
+            </p:extLst>
+          </p:nvPr>
+        </p:nvSpPr>
+        <p:spPr>
+          <a:xfrm rot="5400000">
+            <a:off x="688249" y="346791"/>
+            <a:ext cx="146304" cy="704088"/>
+          </a:xfrm>
+          <a:prstGeom prst="rect">
+            <a:avLst/>
+          </a:prstGeom>
+          <a:solidFill>
+            <a:schemeClr val="accent2"/>
+          </a:solidFill>
+          <a:ln>
+            <a:noFill/>
+          </a:ln>
+        </p:spPr>
+        <p:style>
+          <a:lnRef idx="2">
+            <a:schemeClr val="accent1">
+              <a:shade val="50000"/>
+            </a:schemeClr>
+          </a:lnRef>
+          <a:fillRef idx="1">
+            <a:schemeClr val="accent1"/>
+          </a:fillRef>
+          <a:effectRef idx="0">
+            <a:schemeClr val="accent1"/>
+          </a:effectRef>
+          <a:fontRef idx="minor">
+            <a:schemeClr val="lt1"/>
+          </a:fontRef>
+        </p:style>
+        <p:txBody>
+          <a:bodyPr rtlCol="0" anchor="ctr"/>
+          <a:lstStyle/>
+          <a:p>
+            <a:pPr marL="0" marR="0" lvl="0" indent="0" algn="ctr" defTabSz="914400" rtl="0" eaLnBrk="1" fontAlgn="auto" latinLnBrk="0" hangingPunct="1">
+              <a:lnSpc>
+                <a:spcPct val="100000"/>
+              </a:lnSpc>
+              <a:spcBef>
+                <a:spcPts val="0"/>
+              </a:spcBef>
+              <a:spcAft>
+                <a:spcPts val="0"/>
+              </a:spcAft>
+              <a:buClrTx/>
+              <a:buSzTx/>
+              <a:buFontTx/>
+              <a:buNone/>
+              <a:tabLst/>
+              <a:defRPr/>
+            </a:pPr>
+            <a:endParaRPr kumimoji="0" lang="en-US" sz="1800" b="0" i="0" u="none" strike="noStrike" kern="1200" cap="none" spc="0" normalizeH="0" baseline="0" noProof="0">
+              <a:ln>
+                <a:noFill/>
+              </a:ln>
+              <a:solidFill>
+                <a:prstClr val="white"/>
+              </a:solidFill>
+              <a:effectLst/>
+              <a:uLnTx/>
+              <a:uFillTx/>
+              <a:latin typeface="Calibri" panose="020F0502020204030204"/>
+              <a:ea typeface="+mn-ea"/>
+              <a:cs typeface="+mn-cs"/>
+            </a:endParaRPr>
+          </a:p>
+        </p:txBody>
+      </p:sp>
+      <p:pic>
+        <p:nvPicPr>
+          <p:cNvPr id="13" name="图片 12" descr="图示&#10;&#10;描述已自动生成">
+            <a:extLst>
+              <a:ext uri="{FF2B5EF4-FFF2-40B4-BE49-F238E27FC236}">
+                <a16:creationId xmlns:a16="http://schemas.microsoft.com/office/drawing/2014/main" id="{8A9A4E55-CFC2-A62D-8413-FB3C35904C15}"/>
+              </a:ext>
+            </a:extLst>
+          </p:cNvPr>
+          <p:cNvPicPr>
+            <a:picLocks noChangeAspect="1"/>
+          </p:cNvPicPr>
+          <p:nvPr/>
+        </p:nvPicPr>
+        <p:blipFill>
+          <a:blip r:embed="rId2">
+            <a:extLst>
+              <a:ext uri="{28A0092B-C50C-407E-A947-70E740481C1C}">
+                <a14:useLocalDpi xmlns:a14="http://schemas.microsoft.com/office/drawing/2010/main" val="0"/>
+              </a:ext>
+            </a:extLst>
+          </a:blip>
+          <a:stretch>
+            <a:fillRect/>
+          </a:stretch>
+        </p:blipFill>
+        <p:spPr>
+          <a:xfrm>
+            <a:off x="5339967" y="379158"/>
+            <a:ext cx="2048255" cy="2926079"/>
+          </a:xfrm>
+          <a:prstGeom prst="rect">
+            <a:avLst/>
+          </a:prstGeom>
+        </p:spPr>
+      </p:pic>
+      <p:pic>
+        <p:nvPicPr>
+          <p:cNvPr id="10" name="图片 9" descr="图示&#10;&#10;描述已自动生成">
+            <a:extLst>
+              <a:ext uri="{FF2B5EF4-FFF2-40B4-BE49-F238E27FC236}">
+                <a16:creationId xmlns:a16="http://schemas.microsoft.com/office/drawing/2014/main" id="{42B0336C-D01D-84EE-3E83-580C7A45ACF0}"/>
+              </a:ext>
+            </a:extLst>
+          </p:cNvPr>
+          <p:cNvPicPr>
+            <a:picLocks noChangeAspect="1"/>
+          </p:cNvPicPr>
+          <p:nvPr/>
+        </p:nvPicPr>
+        <p:blipFill>
+          <a:blip r:embed="rId3">
+            <a:extLst>
+              <a:ext uri="{28A0092B-C50C-407E-A947-70E740481C1C}">
+                <a14:useLocalDpi xmlns:a14="http://schemas.microsoft.com/office/drawing/2010/main" val="0"/>
+              </a:ext>
+            </a:extLst>
+          </a:blip>
+          <a:stretch>
+            <a:fillRect/>
+          </a:stretch>
+        </p:blipFill>
+        <p:spPr>
+          <a:xfrm>
+            <a:off x="8321040" y="379158"/>
+            <a:ext cx="3657600" cy="2926080"/>
+          </a:xfrm>
+          <a:prstGeom prst="rect">
+            <a:avLst/>
+          </a:prstGeom>
+        </p:spPr>
+      </p:pic>
+      <p:sp>
+        <p:nvSpPr>
+          <p:cNvPr id="38" name="Rectangle 37">
+            <a:extLst>
+              <a:ext uri="{FF2B5EF4-FFF2-40B4-BE49-F238E27FC236}">
+                <a16:creationId xmlns:a16="http://schemas.microsoft.com/office/drawing/2014/main" id="{67EF550F-47CE-4FB2-9DAC-12AD835C833D}"/>
+              </a:ext>
+              <a:ext uri="{C183D7F6-B498-43B3-948B-1728B52AA6E4}">
+                <adec:decorative xmlns:adec="http://schemas.microsoft.com/office/drawing/2017/decorative" val="1"/>
+              </a:ext>
+            </a:extLst>
+          </p:cNvPr>
+          <p:cNvSpPr>
+            <a:spLocks noGrp="1" noRot="1" noChangeAspect="1" noMove="1" noResize="1" noEditPoints="1" noAdjustHandles="1" noChangeArrowheads="1" noChangeShapeType="1" noTextEdit="1"/>
+          </p:cNvSpPr>
+          <p:nvPr>
+            <p:extLst>
+              <p:ext uri="{386F3935-93C4-4BCD-93E2-E3B085C9AB24}">
+                <p16:designElem xmlns:p16="http://schemas.microsoft.com/office/powerpoint/2015/main" val="1"/>
+              </p:ext>
+            </p:extLst>
+          </p:nvPr>
+        </p:nvSpPr>
+        <p:spPr>
+          <a:xfrm>
+            <a:off x="359171" y="4177748"/>
+            <a:ext cx="3706859" cy="18288"/>
+          </a:xfrm>
+          <a:prstGeom prst="rect">
+            <a:avLst/>
+          </a:prstGeom>
+          <a:solidFill>
+            <a:srgbClr val="D5D5D5"/>
+          </a:solidFill>
+          <a:ln w="3175">
+            <a:noFill/>
+          </a:ln>
+          <a:effectLst/>
+        </p:spPr>
+        <p:style>
+          <a:lnRef idx="2">
+            <a:schemeClr val="accent1">
+              <a:shade val="50000"/>
+            </a:schemeClr>
+          </a:lnRef>
+          <a:fillRef idx="1">
+            <a:schemeClr val="accent1"/>
+          </a:fillRef>
+          <a:effectRef idx="0">
+            <a:schemeClr val="accent1"/>
+          </a:effectRef>
+          <a:fontRef idx="minor">
+            <a:schemeClr val="lt1"/>
+          </a:fontRef>
+        </p:style>
+        <p:txBody>
+          <a:bodyPr rtlCol="0" anchor="ctr"/>
+          <a:lstStyle/>
+          <a:p>
+            <a:pPr marL="0" marR="0" lvl="0" indent="0" algn="ctr" defTabSz="914400" rtl="0" eaLnBrk="1" fontAlgn="auto" latinLnBrk="0" hangingPunct="1">
+              <a:lnSpc>
+                <a:spcPct val="100000"/>
+              </a:lnSpc>
+              <a:spcBef>
+                <a:spcPts val="0"/>
+              </a:spcBef>
+              <a:spcAft>
+                <a:spcPts val="0"/>
+              </a:spcAft>
+              <a:buClrTx/>
+              <a:buSzTx/>
+              <a:buFontTx/>
+              <a:buNone/>
+              <a:tabLst/>
+              <a:defRPr/>
+            </a:pPr>
+            <a:endParaRPr kumimoji="0" lang="en-US" sz="1800" b="0" i="0" u="none" strike="noStrike" kern="1200" cap="none" spc="0" normalizeH="0" baseline="0" noProof="0">
+              <a:ln>
+                <a:noFill/>
+              </a:ln>
+              <a:solidFill>
+                <a:prstClr val="white"/>
+              </a:solidFill>
+              <a:effectLst/>
+              <a:uLnTx/>
+              <a:uFillTx/>
+              <a:latin typeface="Calibri" panose="020F0502020204030204"/>
+              <a:ea typeface="+mn-ea"/>
+              <a:cs typeface="+mn-cs"/>
+            </a:endParaRPr>
+          </a:p>
+        </p:txBody>
+      </p:sp>
+      <p:pic>
+        <p:nvPicPr>
+          <p:cNvPr id="7" name="图片 6" descr="图示&#10;&#10;描述已自动生成">
+            <a:extLst>
+              <a:ext uri="{FF2B5EF4-FFF2-40B4-BE49-F238E27FC236}">
+                <a16:creationId xmlns:a16="http://schemas.microsoft.com/office/drawing/2014/main" id="{C7289C97-A475-7121-17C4-8EDED2BE3A80}"/>
+              </a:ext>
+            </a:extLst>
+          </p:cNvPr>
+          <p:cNvPicPr>
+            <a:picLocks noChangeAspect="1"/>
+          </p:cNvPicPr>
+          <p:nvPr/>
+        </p:nvPicPr>
+        <p:blipFill>
+          <a:blip r:embed="rId4">
+            <a:extLst>
+              <a:ext uri="{28A0092B-C50C-407E-A947-70E740481C1C}">
+                <a14:useLocalDpi xmlns:a14="http://schemas.microsoft.com/office/drawing/2010/main" val="0"/>
+              </a:ext>
+            </a:extLst>
+          </a:blip>
+          <a:stretch>
+            <a:fillRect/>
+          </a:stretch>
+        </p:blipFill>
+        <p:spPr>
+          <a:xfrm>
+            <a:off x="4526151" y="4256176"/>
+            <a:ext cx="3675888" cy="1260304"/>
+          </a:xfrm>
+          <a:prstGeom prst="rect">
+            <a:avLst/>
+          </a:prstGeom>
+        </p:spPr>
+      </p:pic>
+      <p:pic>
+        <p:nvPicPr>
+          <p:cNvPr id="16" name="图片 15" descr="图示&#10;&#10;描述已自动生成">
+            <a:extLst>
+              <a:ext uri="{FF2B5EF4-FFF2-40B4-BE49-F238E27FC236}">
+                <a16:creationId xmlns:a16="http://schemas.microsoft.com/office/drawing/2014/main" id="{F952816D-BC44-DE3C-C2B7-F5BBB81FCA53}"/>
+              </a:ext>
+            </a:extLst>
+          </p:cNvPr>
+          <p:cNvPicPr>
+            <a:picLocks noChangeAspect="1"/>
+          </p:cNvPicPr>
+          <p:nvPr/>
+        </p:nvPicPr>
+        <p:blipFill>
+          <a:blip r:embed="rId5">
+            <a:extLst>
+              <a:ext uri="{28A0092B-C50C-407E-A947-70E740481C1C}">
+                <a14:useLocalDpi xmlns:a14="http://schemas.microsoft.com/office/drawing/2010/main" val="0"/>
+              </a:ext>
+            </a:extLst>
+          </a:blip>
+          <a:stretch>
+            <a:fillRect/>
+          </a:stretch>
+        </p:blipFill>
+        <p:spPr>
+          <a:xfrm>
+            <a:off x="8319477" y="3423290"/>
+            <a:ext cx="3657600" cy="2926080"/>
+          </a:xfrm>
+          <a:prstGeom prst="rect">
+            <a:avLst/>
+          </a:prstGeom>
+        </p:spPr>
+      </p:pic>
+    </p:spTree>
+    <p:extLst>
+      <p:ext uri="{BB962C8B-B14F-4D97-AF65-F5344CB8AC3E}">
+        <p14:creationId xmlns:p14="http://schemas.microsoft.com/office/powerpoint/2010/main" val="435259232"/>
+      </p:ext>
+    </p:extLst>
+  </p:cSld>
+  <p:clrMapOvr>
+    <a:masterClrMapping/>
+  </p:clrMapOvr>
+</p:sld>
+</file>
+
+<file path=ppt/slides/slide5.xml><?xml version="1.0" encoding="utf-8"?>
+<p:sld xmlns:a="http://schemas.openxmlformats.org/drawingml/2006/main" xmlns:r="http://schemas.openxmlformats.org/officeDocument/2006/relationships" xmlns:p="http://schemas.openxmlformats.org/presentationml/2006/main">
+  <p:cSld>
+    <p:bg>
+      <p:bgPr>
+        <a:solidFill>
+          <a:schemeClr val="bg1"/>
+        </a:solidFill>
+        <a:effectLst/>
+      </p:bgPr>
+    </p:bg>
+    <p:spTree>
+      <p:nvGrpSpPr>
+        <p:cNvPr id="1" name=""/>
+        <p:cNvGrpSpPr/>
+        <p:nvPr/>
+      </p:nvGrpSpPr>
+      <p:grpSpPr>
+        <a:xfrm>
+          <a:off x="0" y="0"/>
+          <a:ext cx="0" cy="0"/>
+          <a:chOff x="0" y="0"/>
+          <a:chExt cx="0" cy="0"/>
+        </a:xfrm>
+      </p:grpSpPr>
+      <p:pic>
+        <p:nvPicPr>
+          <p:cNvPr id="5" name="内容占位符 4" descr="图片包含 游戏机&#10;&#10;描述已自动生成">
+            <a:extLst>
+              <a:ext uri="{FF2B5EF4-FFF2-40B4-BE49-F238E27FC236}">
+                <a16:creationId xmlns:a16="http://schemas.microsoft.com/office/drawing/2014/main" id="{4D216572-C74A-FD33-8969-D833601E3863}"/>
+              </a:ext>
+            </a:extLst>
+          </p:cNvPr>
+          <p:cNvPicPr>
+            <a:picLocks noGrp="1" noChangeAspect="1"/>
+          </p:cNvPicPr>
+          <p:nvPr>
+            <p:ph idx="1"/>
+          </p:nvPr>
+        </p:nvPicPr>
+        <p:blipFill rotWithShape="1">
+          <a:blip r:embed="rId2">
+            <a:extLst>
+              <a:ext uri="{28A0092B-C50C-407E-A947-70E740481C1C}">
+                <a14:useLocalDpi xmlns:a14="http://schemas.microsoft.com/office/drawing/2010/main" val="0"/>
+              </a:ext>
+            </a:extLst>
+          </a:blip>
+          <a:srcRect l="1643" r="2357"/>
+          <a:stretch/>
+        </p:blipFill>
+        <p:spPr>
+          <a:xfrm>
+            <a:off x="20" y="10"/>
+            <a:ext cx="12191980" cy="6857990"/>
+          </a:xfrm>
+          <a:prstGeom prst="rect">
+            <a:avLst/>
+          </a:prstGeom>
+        </p:spPr>
+      </p:pic>
+      <p:sp>
+        <p:nvSpPr>
+          <p:cNvPr id="10" name="Rectangle 9">
+            <a:extLst>
+              <a:ext uri="{FF2B5EF4-FFF2-40B4-BE49-F238E27FC236}">
+                <a16:creationId xmlns:a16="http://schemas.microsoft.com/office/drawing/2014/main" id="{37C89E4B-3C9F-44B9-8B86-D9E3D112D8EC}"/>
+              </a:ext>
+              <a:ext uri="{C183D7F6-B498-43B3-948B-1728B52AA6E4}">
+                <adec:decorative xmlns:adec="http://schemas.microsoft.com/office/drawing/2017/decorative" val="1"/>
+              </a:ext>
+            </a:extLst>
+          </p:cNvPr>
+          <p:cNvSpPr>
+            <a:spLocks noGrp="1" noRot="1" noChangeAspect="1" noMove="1" noResize="1" noEditPoints="1" noAdjustHandles="1" noChangeArrowheads="1" noChangeShapeType="1" noTextEdit="1"/>
+          </p:cNvSpPr>
+          <p:nvPr>
+            <p:extLst>
+              <p:ext uri="{386F3935-93C4-4BCD-93E2-E3B085C9AB24}">
+                <p16:designElem xmlns:p16="http://schemas.microsoft.com/office/powerpoint/2015/main" val="1"/>
+              </p:ext>
+            </p:extLst>
+          </p:nvPr>
+        </p:nvSpPr>
+        <p:spPr>
+          <a:xfrm>
+            <a:off x="0" y="5320142"/>
+            <a:ext cx="12192000" cy="736551"/>
+          </a:xfrm>
+          <a:prstGeom prst="rect">
+            <a:avLst/>
+          </a:prstGeom>
+          <a:solidFill>
+            <a:schemeClr val="bg1">
+              <a:alpha val="93000"/>
+            </a:schemeClr>
+          </a:solidFill>
+          <a:ln>
+            <a:noFill/>
+          </a:ln>
+        </p:spPr>
+        <p:style>
+          <a:lnRef idx="2">
+            <a:schemeClr val="accent1">
+              <a:shade val="50000"/>
+            </a:schemeClr>
+          </a:lnRef>
+          <a:fillRef idx="1">
+            <a:schemeClr val="accent1"/>
+          </a:fillRef>
+          <a:effectRef idx="0">
+            <a:schemeClr val="accent1"/>
+          </a:effectRef>
+          <a:fontRef idx="minor">
+            <a:schemeClr val="lt1"/>
+          </a:fontRef>
+        </p:style>
+        <p:txBody>
+          <a:bodyPr rtlCol="0" anchor="ctr"/>
+          <a:lstStyle/>
+          <a:p>
+            <a:pPr algn="ctr"/>
+            <a:endParaRPr lang="en-US"/>
+          </a:p>
+        </p:txBody>
+      </p:sp>
+      <p:sp>
+        <p:nvSpPr>
+          <p:cNvPr id="2" name="标题 1">
+            <a:extLst>
+              <a:ext uri="{FF2B5EF4-FFF2-40B4-BE49-F238E27FC236}">
+                <a16:creationId xmlns:a16="http://schemas.microsoft.com/office/drawing/2014/main" id="{D7827946-E903-B0B6-5A29-6FDD1D8DC2BE}"/>
+              </a:ext>
+            </a:extLst>
+          </p:cNvPr>
+          <p:cNvSpPr>
+            <a:spLocks noGrp="1"/>
+          </p:cNvSpPr>
+          <p:nvPr>
+            <p:ph type="title"/>
+          </p:nvPr>
+        </p:nvSpPr>
+        <p:spPr>
+          <a:xfrm>
+            <a:off x="523875" y="5317240"/>
+            <a:ext cx="11210925" cy="744836"/>
+          </a:xfrm>
+        </p:spPr>
+        <p:txBody>
+          <a:bodyPr vert="horz" lIns="91440" tIns="45720" rIns="91440" bIns="45720" rtlCol="0" anchor="ctr">
+            <a:normAutofit/>
+          </a:bodyPr>
+          <a:lstStyle/>
+          <a:p>
+            <a:pPr algn="ctr"/>
+            <a:r>
+              <a:rPr lang="en-US" sz="3600">
+                <a:solidFill>
+                  <a:schemeClr val="tx1">
+                    <a:lumMod val="85000"/>
+                    <a:lumOff val="15000"/>
+                  </a:schemeClr>
+                </a:solidFill>
+              </a:rPr>
+              <a:t>Guzheng</a:t>
+            </a:r>
+          </a:p>
+        </p:txBody>
+      </p:sp>
+      <p:cxnSp>
+        <p:nvCxnSpPr>
+          <p:cNvPr id="12" name="Straight Connector 11">
+            <a:extLst>
+              <a:ext uri="{FF2B5EF4-FFF2-40B4-BE49-F238E27FC236}">
+                <a16:creationId xmlns:a16="http://schemas.microsoft.com/office/drawing/2014/main" id="{AA2EAA10-076F-46BD-8F0F-B9A2FB77A85C}"/>
+              </a:ext>
+              <a:ext uri="{C183D7F6-B498-43B3-948B-1728B52AA6E4}">
+                <adec:decorative xmlns:adec="http://schemas.microsoft.com/office/drawing/2017/decorative" val="1"/>
+              </a:ext>
+            </a:extLst>
+          </p:cNvPr>
+          <p:cNvCxnSpPr>
+            <a:cxnSpLocks noGrp="1" noRot="1" noChangeAspect="1" noMove="1" noResize="1" noEditPoints="1" noAdjustHandles="1" noChangeArrowheads="1" noChangeShapeType="1"/>
+          </p:cNvCxnSpPr>
+          <p:nvPr>
+            <p:extLst>
+              <p:ext uri="{386F3935-93C4-4BCD-93E2-E3B085C9AB24}">
+                <p16:designElem xmlns:p16="http://schemas.microsoft.com/office/powerpoint/2015/main" val="1"/>
+              </p:ext>
+            </p:extLst>
+          </p:nvPr>
+        </p:nvCxnSpPr>
+        <p:spPr>
+          <a:xfrm>
+            <a:off x="0" y="5241983"/>
+            <a:ext cx="12192000" cy="0"/>
+          </a:xfrm>
+          <a:prstGeom prst="line">
+            <a:avLst/>
+          </a:prstGeom>
+          <a:ln w="41275">
+            <a:solidFill>
+              <a:schemeClr val="bg1">
+                <a:alpha val="90000"/>
+              </a:schemeClr>
+            </a:solidFill>
+          </a:ln>
+        </p:spPr>
+        <p:style>
+          <a:lnRef idx="1">
+            <a:schemeClr val="accent1"/>
+          </a:lnRef>
+          <a:fillRef idx="0">
+            <a:schemeClr val="accent1"/>
+          </a:fillRef>
+          <a:effectRef idx="0">
+            <a:schemeClr val="accent1"/>
+          </a:effectRef>
+          <a:fontRef idx="minor">
+            <a:schemeClr val="tx1"/>
+          </a:fontRef>
+        </p:style>
+      </p:cxnSp>
+      <p:cxnSp>
+        <p:nvCxnSpPr>
+          <p:cNvPr id="14" name="Straight Connector 13">
+            <a:extLst>
+              <a:ext uri="{FF2B5EF4-FFF2-40B4-BE49-F238E27FC236}">
+                <a16:creationId xmlns:a16="http://schemas.microsoft.com/office/drawing/2014/main" id="{D891E407-403B-4764-86C9-33A56D3BCAA3}"/>
+              </a:ext>
+              <a:ext uri="{C183D7F6-B498-43B3-948B-1728B52AA6E4}">
+                <adec:decorative xmlns:adec="http://schemas.microsoft.com/office/drawing/2017/decorative" val="1"/>
+              </a:ext>
+            </a:extLst>
+          </p:cNvPr>
+          <p:cNvCxnSpPr>
+            <a:cxnSpLocks noGrp="1" noRot="1" noChangeAspect="1" noMove="1" noResize="1" noEditPoints="1" noAdjustHandles="1" noChangeArrowheads="1" noChangeShapeType="1"/>
+          </p:cNvCxnSpPr>
+          <p:nvPr>
+            <p:extLst>
+              <p:ext uri="{386F3935-93C4-4BCD-93E2-E3B085C9AB24}">
+                <p16:designElem xmlns:p16="http://schemas.microsoft.com/office/powerpoint/2015/main" val="1"/>
+              </p:ext>
+            </p:extLst>
+          </p:nvPr>
+        </p:nvCxnSpPr>
+        <p:spPr>
+          <a:xfrm>
+            <a:off x="0" y="6134852"/>
+            <a:ext cx="12192000" cy="0"/>
+          </a:xfrm>
+          <a:prstGeom prst="line">
+            <a:avLst/>
+          </a:prstGeom>
+          <a:ln w="41275">
+            <a:solidFill>
+              <a:schemeClr val="bg1">
+                <a:alpha val="90000"/>
+              </a:schemeClr>
+            </a:solidFill>
+          </a:ln>
+        </p:spPr>
+        <p:style>
+          <a:lnRef idx="1">
+            <a:schemeClr val="accent1"/>
+          </a:lnRef>
+          <a:fillRef idx="0">
+            <a:schemeClr val="accent1"/>
+          </a:fillRef>
+          <a:effectRef idx="0">
+            <a:schemeClr val="accent1"/>
+          </a:effectRef>
+          <a:fontRef idx="minor">
+            <a:schemeClr val="tx1"/>
+          </a:fontRef>
+        </p:style>
+      </p:cxnSp>
+    </p:spTree>
+    <p:extLst>
+      <p:ext uri="{BB962C8B-B14F-4D97-AF65-F5344CB8AC3E}">
+        <p14:creationId xmlns:p14="http://schemas.microsoft.com/office/powerpoint/2010/main" val="2496601478"/>
+      </p:ext>
+    </p:extLst>
+  </p:cSld>
+  <p:clrMapOvr>
+    <a:masterClrMapping/>
+  </p:clrMapOvr>
+</p:sld>
+</file>
+
+<file path=ppt/slides/slide6.xml><?xml version="1.0" encoding="utf-8"?>
+<p:sld xmlns:a="http://schemas.openxmlformats.org/drawingml/2006/main" xmlns:r="http://schemas.openxmlformats.org/officeDocument/2006/relationships" xmlns:p="http://schemas.openxmlformats.org/presentationml/2006/main">
+  <p:cSld>
+    <p:bg>
+      <p:bgPr>
+        <a:solidFill>
+          <a:schemeClr val="bg1"/>
+        </a:solidFill>
+        <a:effectLst/>
+      </p:bgPr>
+    </p:bg>
+    <p:spTree>
+      <p:nvGrpSpPr>
+        <p:cNvPr id="1" name=""/>
+        <p:cNvGrpSpPr/>
+        <p:nvPr/>
+      </p:nvGrpSpPr>
+      <p:grpSpPr>
+        <a:xfrm>
+          <a:off x="0" y="0"/>
+          <a:ext cx="0" cy="0"/>
+          <a:chOff x="0" y="0"/>
+          <a:chExt cx="0" cy="0"/>
+        </a:xfrm>
+      </p:grpSpPr>
+      <p:sp useBgFill="1">
+        <p:nvSpPr>
+          <p:cNvPr id="10" name="Rectangle 9">
+            <a:extLst>
+              <a:ext uri="{FF2B5EF4-FFF2-40B4-BE49-F238E27FC236}">
+                <a16:creationId xmlns:a16="http://schemas.microsoft.com/office/drawing/2014/main" id="{5DCB5928-DC7D-4612-9922-441966E15627}"/>
+              </a:ext>
+              <a:ext uri="{C183D7F6-B498-43B3-948B-1728B52AA6E4}">
+                <adec:decorative xmlns:adec="http://schemas.microsoft.com/office/drawing/2017/decorative" val="1"/>
+              </a:ext>
+            </a:extLst>
+          </p:cNvPr>
+          <p:cNvSpPr>
+            <a:spLocks noGrp="1" noRot="1" noChangeAspect="1" noMove="1" noResize="1" noEditPoints="1" noAdjustHandles="1" noChangeArrowheads="1" noChangeShapeType="1" noTextEdit="1"/>
+          </p:cNvSpPr>
+          <p:nvPr>
+            <p:extLst>
+              <p:ext uri="{386F3935-93C4-4BCD-93E2-E3B085C9AB24}">
+                <p16:designElem xmlns:p16="http://schemas.microsoft.com/office/powerpoint/2015/main" val="1"/>
+              </p:ext>
+            </p:extLst>
+          </p:nvPr>
+        </p:nvSpPr>
+        <p:spPr>
+          <a:xfrm>
+            <a:off x="0" y="0"/>
+            <a:ext cx="12192000" cy="6858000"/>
+          </a:xfrm>
+          <a:prstGeom prst="rect">
+            <a:avLst/>
+          </a:prstGeom>
+          <a:ln>
+            <a:noFill/>
+          </a:ln>
+        </p:spPr>
+        <p:style>
+          <a:lnRef idx="2">
+            <a:schemeClr val="accent1">
+              <a:shade val="50000"/>
+            </a:schemeClr>
+          </a:lnRef>
+          <a:fillRef idx="1">
+            <a:schemeClr val="accent1"/>
+          </a:fillRef>
+          <a:effectRef idx="0">
+            <a:schemeClr val="accent1"/>
+          </a:effectRef>
+          <a:fontRef idx="minor">
+            <a:schemeClr val="lt1"/>
+          </a:fontRef>
+        </p:style>
+        <p:txBody>
+          <a:bodyPr rtlCol="0" anchor="ctr"/>
+          <a:lstStyle/>
+          <a:p>
+            <a:pPr algn="ctr"/>
+            <a:endParaRPr lang="en-US"/>
+          </a:p>
+        </p:txBody>
+      </p:sp>
+      <p:sp useBgFill="1">
+        <p:nvSpPr>
+          <p:cNvPr id="12" name="Freeform: Shape 11">
+            <a:extLst>
+              <a:ext uri="{FF2B5EF4-FFF2-40B4-BE49-F238E27FC236}">
+                <a16:creationId xmlns:a16="http://schemas.microsoft.com/office/drawing/2014/main" id="{682C1161-1736-45EC-99B7-33F3CAE9D517}"/>
+              </a:ext>
+              <a:ext uri="{C183D7F6-B498-43B3-948B-1728B52AA6E4}">
+                <adec:decorative xmlns:adec="http://schemas.microsoft.com/office/drawing/2017/decorative" val="1"/>
+              </a:ext>
+            </a:extLst>
+          </p:cNvPr>
+          <p:cNvSpPr>
+            <a:spLocks noGrp="1" noRot="1" noChangeAspect="1" noMove="1" noResize="1" noEditPoints="1" noAdjustHandles="1" noChangeArrowheads="1" noChangeShapeType="1" noTextEdit="1"/>
+          </p:cNvSpPr>
+          <p:nvPr>
+            <p:extLst>
+              <p:ext uri="{386F3935-93C4-4BCD-93E2-E3B085C9AB24}">
+                <p16:designElem xmlns:p16="http://schemas.microsoft.com/office/powerpoint/2015/main" val="1"/>
+              </p:ext>
+            </p:extLst>
+          </p:nvPr>
+        </p:nvSpPr>
+        <p:spPr>
+          <a:xfrm>
+            <a:off x="0" y="0"/>
+            <a:ext cx="4959047" cy="6858000"/>
+          </a:xfrm>
+          <a:custGeom>
+            <a:avLst/>
+            <a:gdLst>
+              <a:gd name="connsiteX0" fmla="*/ 0 w 4959047"/>
+              <a:gd name="connsiteY0" fmla="*/ 0 h 6858000"/>
+              <a:gd name="connsiteX1" fmla="*/ 4110127 w 4959047"/>
+              <a:gd name="connsiteY1" fmla="*/ 0 h 6858000"/>
+              <a:gd name="connsiteX2" fmla="*/ 4179024 w 4959047"/>
+              <a:gd name="connsiteY2" fmla="*/ 123368 h 6858000"/>
+              <a:gd name="connsiteX3" fmla="*/ 4959047 w 4959047"/>
+              <a:gd name="connsiteY3" fmla="*/ 3429000 h 6858000"/>
+              <a:gd name="connsiteX4" fmla="*/ 4179024 w 4959047"/>
+              <a:gd name="connsiteY4" fmla="*/ 6734633 h 6858000"/>
+              <a:gd name="connsiteX5" fmla="*/ 4110127 w 4959047"/>
+              <a:gd name="connsiteY5" fmla="*/ 6858000 h 6858000"/>
+              <a:gd name="connsiteX6" fmla="*/ 0 w 4959047"/>
+              <a:gd name="connsiteY6" fmla="*/ 6858000 h 6858000"/>
+            </a:gdLst>
+            <a:ahLst/>
+            <a:cxnLst>
+              <a:cxn ang="0">
+                <a:pos x="connsiteX0" y="connsiteY0"/>
+              </a:cxn>
+              <a:cxn ang="0">
+                <a:pos x="connsiteX1" y="connsiteY1"/>
+              </a:cxn>
+              <a:cxn ang="0">
+                <a:pos x="connsiteX2" y="connsiteY2"/>
+              </a:cxn>
+              <a:cxn ang="0">
+                <a:pos x="connsiteX3" y="connsiteY3"/>
+              </a:cxn>
+              <a:cxn ang="0">
+                <a:pos x="connsiteX4" y="connsiteY4"/>
+              </a:cxn>
+              <a:cxn ang="0">
+                <a:pos x="connsiteX5" y="connsiteY5"/>
+              </a:cxn>
+              <a:cxn ang="0">
+                <a:pos x="connsiteX6" y="connsiteY6"/>
+              </a:cxn>
+            </a:cxnLst>
+            <a:rect l="l" t="t" r="r" b="b"/>
+            <a:pathLst>
+              <a:path w="4959047" h="6858000">
+                <a:moveTo>
+                  <a:pt x="0" y="0"/>
+                </a:moveTo>
+                <a:lnTo>
+                  <a:pt x="4110127" y="0"/>
+                </a:lnTo>
+                <a:lnTo>
+                  <a:pt x="4179024" y="123368"/>
+                </a:lnTo>
+                <a:cubicBezTo>
+                  <a:pt x="4668929" y="1045156"/>
+                  <a:pt x="4959047" y="2189404"/>
+                  <a:pt x="4959047" y="3429000"/>
+                </a:cubicBezTo>
+                <a:cubicBezTo>
+                  <a:pt x="4959047" y="4668597"/>
+                  <a:pt x="4668929" y="5812845"/>
+                  <a:pt x="4179024" y="6734633"/>
+                </a:cubicBezTo>
+                <a:lnTo>
+                  <a:pt x="4110127" y="6858000"/>
+                </a:lnTo>
+                <a:lnTo>
+                  <a:pt x="0" y="6858000"/>
+                </a:lnTo>
+                <a:close/>
+              </a:path>
+            </a:pathLst>
+          </a:custGeom>
+          <a:ln w="9525">
+            <a:solidFill>
+              <a:srgbClr val="E6E6E6"/>
+            </a:solidFill>
+          </a:ln>
+          <a:effectLst>
+            <a:outerShdw blurRad="76200" dist="38100" algn="l" rotWithShape="0">
+              <a:schemeClr val="bg1">
+                <a:lumMod val="85000"/>
+                <a:alpha val="50000"/>
+              </a:schemeClr>
+            </a:outerShdw>
+          </a:effectLst>
+        </p:spPr>
+        <p:style>
+          <a:lnRef idx="2">
+            <a:schemeClr val="accent1">
+              <a:shade val="50000"/>
+            </a:schemeClr>
+          </a:lnRef>
+          <a:fillRef idx="1">
+            <a:schemeClr val="accent1"/>
+          </a:fillRef>
+          <a:effectRef idx="0">
+            <a:schemeClr val="accent1"/>
+          </a:effectRef>
+          <a:fontRef idx="minor">
+            <a:schemeClr val="lt1"/>
+          </a:fontRef>
+        </p:style>
+        <p:txBody>
+          <a:bodyPr wrap="square" rtlCol="0" anchor="ctr">
+            <a:noAutofit/>
+          </a:bodyPr>
+          <a:lstStyle/>
+          <a:p>
+            <a:pPr marL="0" marR="0" lvl="0" indent="0" algn="ctr" defTabSz="914400" rtl="0" eaLnBrk="1" fontAlgn="auto" latinLnBrk="0" hangingPunct="1">
+              <a:lnSpc>
+                <a:spcPct val="100000"/>
+              </a:lnSpc>
+              <a:spcBef>
+                <a:spcPts val="0"/>
+              </a:spcBef>
+              <a:spcAft>
+                <a:spcPts val="0"/>
+              </a:spcAft>
+              <a:buClrTx/>
+              <a:buSzTx/>
+              <a:buFontTx/>
+              <a:buNone/>
+              <a:tabLst/>
+              <a:defRPr/>
+            </a:pPr>
+            <a:endParaRPr kumimoji="0" lang="en-US" sz="1800" b="0" i="0" u="none" strike="noStrike" kern="1200" cap="none" spc="0" normalizeH="0" baseline="0" noProof="0">
+              <a:ln>
+                <a:noFill/>
+              </a:ln>
+              <a:solidFill>
+                <a:prstClr val="white"/>
+              </a:solidFill>
+              <a:effectLst/>
+              <a:uLnTx/>
+              <a:uFillTx/>
+              <a:latin typeface="Calibri" panose="020F0502020204030204"/>
+              <a:ea typeface="+mn-ea"/>
+              <a:cs typeface="+mn-cs"/>
+            </a:endParaRPr>
+          </a:p>
+        </p:txBody>
+      </p:sp>
+      <p:sp useBgFill="1">
+        <p:nvSpPr>
+          <p:cNvPr id="14" name="Freeform: Shape 13">
+            <a:extLst>
+              <a:ext uri="{FF2B5EF4-FFF2-40B4-BE49-F238E27FC236}">
+                <a16:creationId xmlns:a16="http://schemas.microsoft.com/office/drawing/2014/main" id="{84D4DDB8-B68F-45B0-9F62-C4279996F672}"/>
+              </a:ext>
+              <a:ext uri="{C183D7F6-B498-43B3-948B-1728B52AA6E4}">
+                <adec:decorative xmlns:adec="http://schemas.microsoft.com/office/drawing/2017/decorative" val="1"/>
+              </a:ext>
+            </a:extLst>
+          </p:cNvPr>
+          <p:cNvSpPr>
+            <a:spLocks noGrp="1" noRot="1" noChangeAspect="1" noMove="1" noResize="1" noEditPoints="1" noAdjustHandles="1" noChangeArrowheads="1" noChangeShapeType="1" noTextEdit="1"/>
+          </p:cNvSpPr>
+          <p:nvPr>
+            <p:extLst>
+              <p:ext uri="{386F3935-93C4-4BCD-93E2-E3B085C9AB24}">
+                <p16:designElem xmlns:p16="http://schemas.microsoft.com/office/powerpoint/2015/main" val="1"/>
+              </p:ext>
+            </p:extLst>
+          </p:nvPr>
+        </p:nvSpPr>
+        <p:spPr>
+          <a:xfrm>
+            <a:off x="0" y="0"/>
+            <a:ext cx="4948887" cy="6858000"/>
+          </a:xfrm>
+          <a:custGeom>
+            <a:avLst/>
+            <a:gdLst>
+              <a:gd name="connsiteX0" fmla="*/ 0 w 4948887"/>
+              <a:gd name="connsiteY0" fmla="*/ 0 h 6858000"/>
+              <a:gd name="connsiteX1" fmla="*/ 4099967 w 4948887"/>
+              <a:gd name="connsiteY1" fmla="*/ 0 h 6858000"/>
+              <a:gd name="connsiteX2" fmla="*/ 4168864 w 4948887"/>
+              <a:gd name="connsiteY2" fmla="*/ 123368 h 6858000"/>
+              <a:gd name="connsiteX3" fmla="*/ 4948887 w 4948887"/>
+              <a:gd name="connsiteY3" fmla="*/ 3429000 h 6858000"/>
+              <a:gd name="connsiteX4" fmla="*/ 4168864 w 4948887"/>
+              <a:gd name="connsiteY4" fmla="*/ 6734633 h 6858000"/>
+              <a:gd name="connsiteX5" fmla="*/ 4099967 w 4948887"/>
+              <a:gd name="connsiteY5" fmla="*/ 6858000 h 6858000"/>
+              <a:gd name="connsiteX6" fmla="*/ 0 w 4948887"/>
+              <a:gd name="connsiteY6" fmla="*/ 6858000 h 6858000"/>
+            </a:gdLst>
+            <a:ahLst/>
+            <a:cxnLst>
+              <a:cxn ang="0">
+                <a:pos x="connsiteX0" y="connsiteY0"/>
+              </a:cxn>
+              <a:cxn ang="0">
+                <a:pos x="connsiteX1" y="connsiteY1"/>
+              </a:cxn>
+              <a:cxn ang="0">
+                <a:pos x="connsiteX2" y="connsiteY2"/>
+              </a:cxn>
+              <a:cxn ang="0">
+                <a:pos x="connsiteX3" y="connsiteY3"/>
+              </a:cxn>
+              <a:cxn ang="0">
+                <a:pos x="connsiteX4" y="connsiteY4"/>
+              </a:cxn>
+              <a:cxn ang="0">
+                <a:pos x="connsiteX5" y="connsiteY5"/>
+              </a:cxn>
+              <a:cxn ang="0">
+                <a:pos x="connsiteX6" y="connsiteY6"/>
+              </a:cxn>
+            </a:cxnLst>
+            <a:rect l="l" t="t" r="r" b="b"/>
+            <a:pathLst>
+              <a:path w="4948887" h="6858000">
+                <a:moveTo>
+                  <a:pt x="0" y="0"/>
+                </a:moveTo>
+                <a:lnTo>
+                  <a:pt x="4099967" y="0"/>
+                </a:lnTo>
+                <a:lnTo>
+                  <a:pt x="4168864" y="123368"/>
+                </a:lnTo>
+                <a:cubicBezTo>
+                  <a:pt x="4658769" y="1045156"/>
+                  <a:pt x="4948887" y="2189404"/>
+                  <a:pt x="4948887" y="3429000"/>
+                </a:cubicBezTo>
+                <a:cubicBezTo>
+                  <a:pt x="4948887" y="4668597"/>
+                  <a:pt x="4658769" y="5812845"/>
+                  <a:pt x="4168864" y="6734633"/>
+                </a:cubicBezTo>
+                <a:lnTo>
+                  <a:pt x="4099967" y="6858000"/>
+                </a:lnTo>
+                <a:lnTo>
+                  <a:pt x="0" y="6858000"/>
+                </a:lnTo>
+                <a:close/>
+              </a:path>
+            </a:pathLst>
+          </a:custGeom>
+          <a:ln w="9525">
+            <a:noFill/>
+          </a:ln>
+          <a:effectLst/>
+        </p:spPr>
+        <p:style>
+          <a:lnRef idx="2">
+            <a:schemeClr val="accent1">
+              <a:shade val="50000"/>
+            </a:schemeClr>
+          </a:lnRef>
+          <a:fillRef idx="1">
+            <a:schemeClr val="accent1"/>
+          </a:fillRef>
+          <a:effectRef idx="0">
+            <a:schemeClr val="accent1"/>
+          </a:effectRef>
+          <a:fontRef idx="minor">
+            <a:schemeClr val="lt1"/>
+          </a:fontRef>
+        </p:style>
+        <p:txBody>
+          <a:bodyPr wrap="square" rtlCol="0" anchor="ctr">
+            <a:noAutofit/>
+          </a:bodyPr>
+          <a:lstStyle/>
+          <a:p>
+            <a:pPr marL="0" marR="0" lvl="0" indent="0" algn="ctr" defTabSz="914400" rtl="0" eaLnBrk="1" fontAlgn="auto" latinLnBrk="0" hangingPunct="1">
+              <a:lnSpc>
+                <a:spcPct val="100000"/>
+              </a:lnSpc>
+              <a:spcBef>
+                <a:spcPts val="0"/>
+              </a:spcBef>
+              <a:spcAft>
+                <a:spcPts val="0"/>
+              </a:spcAft>
+              <a:buClrTx/>
+              <a:buSzTx/>
+              <a:buFontTx/>
+              <a:buNone/>
+              <a:tabLst/>
+              <a:defRPr/>
+            </a:pPr>
+            <a:endParaRPr kumimoji="0" lang="en-US" sz="1800" b="0" i="0" u="none" strike="noStrike" kern="1200" cap="none" spc="0" normalizeH="0" baseline="0" noProof="0">
+              <a:ln>
+                <a:noFill/>
+              </a:ln>
+              <a:solidFill>
+                <a:prstClr val="white"/>
+              </a:solidFill>
+              <a:effectLst/>
+              <a:uLnTx/>
+              <a:uFillTx/>
+              <a:latin typeface="Calibri" panose="020F0502020204030204"/>
+              <a:ea typeface="+mn-ea"/>
+              <a:cs typeface="+mn-cs"/>
+            </a:endParaRPr>
+          </a:p>
+        </p:txBody>
+      </p:sp>
+      <p:sp>
+        <p:nvSpPr>
+          <p:cNvPr id="2" name="标题 1">
+            <a:extLst>
+              <a:ext uri="{FF2B5EF4-FFF2-40B4-BE49-F238E27FC236}">
+                <a16:creationId xmlns:a16="http://schemas.microsoft.com/office/drawing/2014/main" id="{9D55590F-244A-E9C9-B85D-4F2AAC66FA95}"/>
+              </a:ext>
+            </a:extLst>
+          </p:cNvPr>
+          <p:cNvSpPr>
+            <a:spLocks noGrp="1"/>
+          </p:cNvSpPr>
+          <p:nvPr>
+            <p:ph type="title"/>
+          </p:nvPr>
+        </p:nvSpPr>
+        <p:spPr>
+          <a:xfrm>
+            <a:off x="477981" y="1122363"/>
+            <a:ext cx="4023360" cy="3204134"/>
+          </a:xfrm>
+        </p:spPr>
+        <p:txBody>
+          <a:bodyPr vert="horz" lIns="91440" tIns="45720" rIns="91440" bIns="45720" rtlCol="0" anchor="b">
+            <a:normAutofit/>
+          </a:bodyPr>
+          <a:lstStyle/>
+          <a:p>
+            <a:r>
+              <a:rPr lang="en-US" sz="4800" kern="1200">
+                <a:solidFill>
+                  <a:schemeClr val="tx1"/>
+                </a:solidFill>
+                <a:latin typeface="+mj-lt"/>
+                <a:ea typeface="+mj-ea"/>
+                <a:cs typeface="+mj-cs"/>
+              </a:rPr>
+              <a:t>Dizi </a:t>
+            </a:r>
+          </a:p>
+        </p:txBody>
+      </p:sp>
+      <p:sp>
+        <p:nvSpPr>
+          <p:cNvPr id="16" name="Rectangle 15">
+            <a:extLst>
+              <a:ext uri="{FF2B5EF4-FFF2-40B4-BE49-F238E27FC236}">
+                <a16:creationId xmlns:a16="http://schemas.microsoft.com/office/drawing/2014/main" id="{AF2F604E-43BE-4DC3-B983-E071523364F8}"/>
+              </a:ext>
+              <a:ext uri="{C183D7F6-B498-43B3-948B-1728B52AA6E4}">
+                <adec:decorative xmlns:adec="http://schemas.microsoft.com/office/drawing/2017/decorative" val="1"/>
+              </a:ext>
+            </a:extLst>
+          </p:cNvPr>
+          <p:cNvSpPr>
+            <a:spLocks noGrp="1" noRot="1" noChangeAspect="1" noMove="1" noResize="1" noEditPoints="1" noAdjustHandles="1" noChangeArrowheads="1" noChangeShapeType="1" noTextEdit="1"/>
+          </p:cNvSpPr>
+          <p:nvPr>
+            <p:extLst>
+              <p:ext uri="{386F3935-93C4-4BCD-93E2-E3B085C9AB24}">
+                <p16:designElem xmlns:p16="http://schemas.microsoft.com/office/powerpoint/2015/main" val="1"/>
+              </p:ext>
+            </p:extLst>
+          </p:nvPr>
+        </p:nvSpPr>
+        <p:spPr>
+          <a:xfrm rot="5400000">
+            <a:off x="759921" y="346791"/>
+            <a:ext cx="146304" cy="704088"/>
+          </a:xfrm>
+          <a:prstGeom prst="rect">
+            <a:avLst/>
+          </a:prstGeom>
+          <a:solidFill>
+            <a:schemeClr val="accent2"/>
+          </a:solidFill>
+          <a:ln>
+            <a:noFill/>
+          </a:ln>
+        </p:spPr>
+        <p:style>
+          <a:lnRef idx="2">
+            <a:schemeClr val="accent1">
+              <a:shade val="50000"/>
+            </a:schemeClr>
+          </a:lnRef>
+          <a:fillRef idx="1">
+            <a:schemeClr val="accent1"/>
+          </a:fillRef>
+          <a:effectRef idx="0">
+            <a:schemeClr val="accent1"/>
+          </a:effectRef>
+          <a:fontRef idx="minor">
+            <a:schemeClr val="lt1"/>
+          </a:fontRef>
+        </p:style>
+        <p:txBody>
+          <a:bodyPr rtlCol="0" anchor="ctr"/>
+          <a:lstStyle/>
+          <a:p>
+            <a:pPr algn="ctr"/>
+            <a:endParaRPr lang="en-US">
+              <a:solidFill>
+                <a:prstClr val="white"/>
+              </a:solidFill>
+              <a:latin typeface="Calibri" panose="020F0502020204030204"/>
+            </a:endParaRPr>
+          </a:p>
+        </p:txBody>
+      </p:sp>
+      <p:sp>
+        <p:nvSpPr>
+          <p:cNvPr id="18" name="Rectangle 17">
+            <a:extLst>
+              <a:ext uri="{FF2B5EF4-FFF2-40B4-BE49-F238E27FC236}">
+                <a16:creationId xmlns:a16="http://schemas.microsoft.com/office/drawing/2014/main" id="{08C9B587-E65E-4B52-B37C-ABEBB6E87928}"/>
+              </a:ext>
+              <a:ext uri="{C183D7F6-B498-43B3-948B-1728B52AA6E4}">
+                <adec:decorative xmlns:adec="http://schemas.microsoft.com/office/drawing/2017/decorative" val="1"/>
+              </a:ext>
+            </a:extLst>
+          </p:cNvPr>
+          <p:cNvSpPr>
+            <a:spLocks noGrp="1" noRot="1" noChangeAspect="1" noMove="1" noResize="1" noEditPoints="1" noAdjustHandles="1" noChangeArrowheads="1" noChangeShapeType="1" noTextEdit="1"/>
+          </p:cNvSpPr>
+          <p:nvPr>
+            <p:extLst>
+              <p:ext uri="{386F3935-93C4-4BCD-93E2-E3B085C9AB24}">
+                <p16:designElem xmlns:p16="http://schemas.microsoft.com/office/powerpoint/2015/main" val="1"/>
+              </p:ext>
+            </p:extLst>
+          </p:nvPr>
+        </p:nvSpPr>
+        <p:spPr>
+          <a:xfrm>
+            <a:off x="481029" y="4546920"/>
+            <a:ext cx="4023360" cy="18288"/>
+          </a:xfrm>
+          <a:prstGeom prst="rect">
+            <a:avLst/>
+          </a:prstGeom>
+          <a:solidFill>
+            <a:srgbClr val="D5D5D5"/>
+          </a:solidFill>
+          <a:ln w="3175">
+            <a:noFill/>
+          </a:ln>
+          <a:effectLst/>
+        </p:spPr>
+        <p:style>
+          <a:lnRef idx="2">
+            <a:schemeClr val="accent1">
+              <a:shade val="50000"/>
+            </a:schemeClr>
+          </a:lnRef>
+          <a:fillRef idx="1">
+            <a:schemeClr val="accent1"/>
+          </a:fillRef>
+          <a:effectRef idx="0">
+            <a:schemeClr val="accent1"/>
+          </a:effectRef>
+          <a:fontRef idx="minor">
+            <a:schemeClr val="lt1"/>
+          </a:fontRef>
+        </p:style>
+        <p:txBody>
+          <a:bodyPr rtlCol="0" anchor="ctr"/>
+          <a:lstStyle/>
+          <a:p>
+            <a:pPr marL="0" marR="0" lvl="0" indent="0" algn="ctr" defTabSz="914400" rtl="0" eaLnBrk="1" fontAlgn="auto" latinLnBrk="0" hangingPunct="1">
+              <a:lnSpc>
+                <a:spcPct val="100000"/>
+              </a:lnSpc>
+              <a:spcBef>
+                <a:spcPts val="0"/>
+              </a:spcBef>
+              <a:spcAft>
+                <a:spcPts val="0"/>
+              </a:spcAft>
+              <a:buClrTx/>
+              <a:buSzTx/>
+              <a:buFontTx/>
+              <a:buNone/>
+              <a:tabLst/>
+              <a:defRPr/>
+            </a:pPr>
+            <a:endParaRPr kumimoji="0" lang="en-US" sz="1800" b="0" i="0" u="none" strike="noStrike" kern="1200" cap="none" spc="0" normalizeH="0" baseline="0" noProof="0">
+              <a:ln>
+                <a:noFill/>
+              </a:ln>
+              <a:solidFill>
+                <a:prstClr val="white"/>
+              </a:solidFill>
+              <a:effectLst/>
+              <a:uLnTx/>
+              <a:uFillTx/>
+              <a:latin typeface="Calibri" panose="020F0502020204030204"/>
+              <a:ea typeface="+mn-ea"/>
+              <a:cs typeface="+mn-cs"/>
+            </a:endParaRPr>
+          </a:p>
+        </p:txBody>
+      </p:sp>
+      <p:pic>
+        <p:nvPicPr>
+          <p:cNvPr id="5" name="内容占位符 4" descr="图片包含 游戏机, 桌子&#10;&#10;描述已自动生成">
+            <a:extLst>
+              <a:ext uri="{FF2B5EF4-FFF2-40B4-BE49-F238E27FC236}">
+                <a16:creationId xmlns:a16="http://schemas.microsoft.com/office/drawing/2014/main" id="{BA959EB7-C53A-F2E4-07CC-3ECD57BD2138}"/>
+              </a:ext>
+            </a:extLst>
+          </p:cNvPr>
+          <p:cNvPicPr>
+            <a:picLocks noGrp="1" noChangeAspect="1"/>
+          </p:cNvPicPr>
+          <p:nvPr>
+            <p:ph idx="1"/>
+          </p:nvPr>
+        </p:nvPicPr>
+        <p:blipFill>
+          <a:blip r:embed="rId2">
+            <a:extLst>
+              <a:ext uri="{28A0092B-C50C-407E-A947-70E740481C1C}">
+                <a14:useLocalDpi xmlns:a14="http://schemas.microsoft.com/office/drawing/2010/main" val="0"/>
+              </a:ext>
+            </a:extLst>
+          </a:blip>
+          <a:stretch>
+            <a:fillRect/>
+          </a:stretch>
+        </p:blipFill>
+        <p:spPr>
+          <a:xfrm>
+            <a:off x="5414356" y="789840"/>
+            <a:ext cx="6408836" cy="5127068"/>
+          </a:xfrm>
+          <a:prstGeom prst="rect">
+            <a:avLst/>
+          </a:prstGeom>
+        </p:spPr>
+      </p:pic>
+    </p:spTree>
+    <p:extLst>
+      <p:ext uri="{BB962C8B-B14F-4D97-AF65-F5344CB8AC3E}">
+        <p14:creationId xmlns:p14="http://schemas.microsoft.com/office/powerpoint/2010/main" val="713376915"/>
+      </p:ext>
+    </p:extLst>
+  </p:cSld>
+  <p:clrMapOvr>
+    <a:masterClrMapping/>
+  </p:clrMapOvr>
+</p:sld>
+</file>
+
+<file path=ppt/slides/slide7.xml><?xml version="1.0" encoding="utf-8"?>
+<p:sld xmlns:a="http://schemas.openxmlformats.org/drawingml/2006/main" xmlns:r="http://schemas.openxmlformats.org/officeDocument/2006/relationships" xmlns:p="http://schemas.openxmlformats.org/presentationml/2006/main">
+  <p:cSld>
+    <p:bg>
+      <p:bgPr>
+        <a:solidFill>
+          <a:schemeClr val="bg1"/>
+        </a:solidFill>
+        <a:effectLst/>
+      </p:bgPr>
+    </p:bg>
+    <p:spTree>
+      <p:nvGrpSpPr>
+        <p:cNvPr id="1" name=""/>
+        <p:cNvGrpSpPr/>
+        <p:nvPr/>
+      </p:nvGrpSpPr>
+      <p:grpSpPr>
+        <a:xfrm>
+          <a:off x="0" y="0"/>
+          <a:ext cx="0" cy="0"/>
+          <a:chOff x="0" y="0"/>
+          <a:chExt cx="0" cy="0"/>
+        </a:xfrm>
+      </p:grpSpPr>
+      <p:sp useBgFill="1">
+        <p:nvSpPr>
+          <p:cNvPr id="14" name="Rectangle 13">
+            <a:extLst>
+              <a:ext uri="{FF2B5EF4-FFF2-40B4-BE49-F238E27FC236}">
+                <a16:creationId xmlns:a16="http://schemas.microsoft.com/office/drawing/2014/main" id="{5DCB5928-DC7D-4612-9922-441966E15627}"/>
+              </a:ext>
+              <a:ext uri="{C183D7F6-B498-43B3-948B-1728B52AA6E4}">
+                <adec:decorative xmlns:adec="http://schemas.microsoft.com/office/drawing/2017/decorative" val="1"/>
+              </a:ext>
+            </a:extLst>
+          </p:cNvPr>
+          <p:cNvSpPr>
+            <a:spLocks noGrp="1" noRot="1" noChangeAspect="1" noMove="1" noResize="1" noEditPoints="1" noAdjustHandles="1" noChangeArrowheads="1" noChangeShapeType="1" noTextEdit="1"/>
+          </p:cNvSpPr>
+          <p:nvPr>
+            <p:extLst>
+              <p:ext uri="{386F3935-93C4-4BCD-93E2-E3B085C9AB24}">
+                <p16:designElem xmlns:p16="http://schemas.microsoft.com/office/powerpoint/2015/main" val="1"/>
+              </p:ext>
+            </p:extLst>
+          </p:nvPr>
+        </p:nvSpPr>
+        <p:spPr>
+          <a:xfrm>
+            <a:off x="0" y="0"/>
+            <a:ext cx="12192000" cy="6858000"/>
+          </a:xfrm>
+          <a:prstGeom prst="rect">
+            <a:avLst/>
+          </a:prstGeom>
+          <a:ln>
+            <a:noFill/>
+          </a:ln>
+        </p:spPr>
+        <p:style>
+          <a:lnRef idx="2">
+            <a:schemeClr val="accent1">
+              <a:shade val="50000"/>
+            </a:schemeClr>
+          </a:lnRef>
+          <a:fillRef idx="1">
+            <a:schemeClr val="accent1"/>
+          </a:fillRef>
+          <a:effectRef idx="0">
+            <a:schemeClr val="accent1"/>
+          </a:effectRef>
+          <a:fontRef idx="minor">
+            <a:schemeClr val="lt1"/>
+          </a:fontRef>
+        </p:style>
+        <p:txBody>
+          <a:bodyPr rtlCol="0" anchor="ctr"/>
+          <a:lstStyle/>
+          <a:p>
+            <a:pPr algn="ctr"/>
+            <a:endParaRPr lang="en-US"/>
+          </a:p>
+        </p:txBody>
+      </p:sp>
+      <p:sp useBgFill="1">
+        <p:nvSpPr>
+          <p:cNvPr id="16" name="Freeform: Shape 15">
+            <a:extLst>
+              <a:ext uri="{FF2B5EF4-FFF2-40B4-BE49-F238E27FC236}">
+                <a16:creationId xmlns:a16="http://schemas.microsoft.com/office/drawing/2014/main" id="{682C1161-1736-45EC-99B7-33F3CAE9D517}"/>
+              </a:ext>
+              <a:ext uri="{C183D7F6-B498-43B3-948B-1728B52AA6E4}">
+                <adec:decorative xmlns:adec="http://schemas.microsoft.com/office/drawing/2017/decorative" val="1"/>
+              </a:ext>
+            </a:extLst>
+          </p:cNvPr>
+          <p:cNvSpPr>
+            <a:spLocks noGrp="1" noRot="1" noChangeAspect="1" noMove="1" noResize="1" noEditPoints="1" noAdjustHandles="1" noChangeArrowheads="1" noChangeShapeType="1" noTextEdit="1"/>
+          </p:cNvSpPr>
+          <p:nvPr>
+            <p:extLst>
+              <p:ext uri="{386F3935-93C4-4BCD-93E2-E3B085C9AB24}">
+                <p16:designElem xmlns:p16="http://schemas.microsoft.com/office/powerpoint/2015/main" val="1"/>
+              </p:ext>
+            </p:extLst>
+          </p:nvPr>
+        </p:nvSpPr>
+        <p:spPr>
+          <a:xfrm>
+            <a:off x="0" y="0"/>
+            <a:ext cx="4959047" cy="6858000"/>
+          </a:xfrm>
+          <a:custGeom>
+            <a:avLst/>
+            <a:gdLst>
+              <a:gd name="connsiteX0" fmla="*/ 0 w 4959047"/>
+              <a:gd name="connsiteY0" fmla="*/ 0 h 6858000"/>
+              <a:gd name="connsiteX1" fmla="*/ 4110127 w 4959047"/>
+              <a:gd name="connsiteY1" fmla="*/ 0 h 6858000"/>
+              <a:gd name="connsiteX2" fmla="*/ 4179024 w 4959047"/>
+              <a:gd name="connsiteY2" fmla="*/ 123368 h 6858000"/>
+              <a:gd name="connsiteX3" fmla="*/ 4959047 w 4959047"/>
+              <a:gd name="connsiteY3" fmla="*/ 3429000 h 6858000"/>
+              <a:gd name="connsiteX4" fmla="*/ 4179024 w 4959047"/>
+              <a:gd name="connsiteY4" fmla="*/ 6734633 h 6858000"/>
+              <a:gd name="connsiteX5" fmla="*/ 4110127 w 4959047"/>
+              <a:gd name="connsiteY5" fmla="*/ 6858000 h 6858000"/>
+              <a:gd name="connsiteX6" fmla="*/ 0 w 4959047"/>
+              <a:gd name="connsiteY6" fmla="*/ 6858000 h 6858000"/>
+            </a:gdLst>
+            <a:ahLst/>
+            <a:cxnLst>
+              <a:cxn ang="0">
+                <a:pos x="connsiteX0" y="connsiteY0"/>
+              </a:cxn>
+              <a:cxn ang="0">
+                <a:pos x="connsiteX1" y="connsiteY1"/>
+              </a:cxn>
+              <a:cxn ang="0">
+                <a:pos x="connsiteX2" y="connsiteY2"/>
+              </a:cxn>
+              <a:cxn ang="0">
+                <a:pos x="connsiteX3" y="connsiteY3"/>
+              </a:cxn>
+              <a:cxn ang="0">
+                <a:pos x="connsiteX4" y="connsiteY4"/>
+              </a:cxn>
+              <a:cxn ang="0">
+                <a:pos x="connsiteX5" y="connsiteY5"/>
+              </a:cxn>
+              <a:cxn ang="0">
+                <a:pos x="connsiteX6" y="connsiteY6"/>
+              </a:cxn>
+            </a:cxnLst>
+            <a:rect l="l" t="t" r="r" b="b"/>
+            <a:pathLst>
+              <a:path w="4959047" h="6858000">
+                <a:moveTo>
+                  <a:pt x="0" y="0"/>
+                </a:moveTo>
+                <a:lnTo>
+                  <a:pt x="4110127" y="0"/>
+                </a:lnTo>
+                <a:lnTo>
+                  <a:pt x="4179024" y="123368"/>
+                </a:lnTo>
+                <a:cubicBezTo>
+                  <a:pt x="4668929" y="1045156"/>
+                  <a:pt x="4959047" y="2189404"/>
+                  <a:pt x="4959047" y="3429000"/>
+                </a:cubicBezTo>
+                <a:cubicBezTo>
+                  <a:pt x="4959047" y="4668597"/>
+                  <a:pt x="4668929" y="5812845"/>
+                  <a:pt x="4179024" y="6734633"/>
+                </a:cubicBezTo>
+                <a:lnTo>
+                  <a:pt x="4110127" y="6858000"/>
+                </a:lnTo>
+                <a:lnTo>
+                  <a:pt x="0" y="6858000"/>
+                </a:lnTo>
+                <a:close/>
+              </a:path>
+            </a:pathLst>
+          </a:custGeom>
+          <a:ln w="9525">
+            <a:solidFill>
+              <a:srgbClr val="E6E6E6"/>
+            </a:solidFill>
+          </a:ln>
+          <a:effectLst>
+            <a:outerShdw blurRad="76200" dist="38100" algn="l" rotWithShape="0">
+              <a:schemeClr val="bg1">
+                <a:lumMod val="85000"/>
+                <a:alpha val="50000"/>
+              </a:schemeClr>
+            </a:outerShdw>
+          </a:effectLst>
+        </p:spPr>
+        <p:style>
+          <a:lnRef idx="2">
+            <a:schemeClr val="accent1">
+              <a:shade val="50000"/>
+            </a:schemeClr>
+          </a:lnRef>
+          <a:fillRef idx="1">
+            <a:schemeClr val="accent1"/>
+          </a:fillRef>
+          <a:effectRef idx="0">
+            <a:schemeClr val="accent1"/>
+          </a:effectRef>
+          <a:fontRef idx="minor">
+            <a:schemeClr val="lt1"/>
+          </a:fontRef>
+        </p:style>
+        <p:txBody>
+          <a:bodyPr wrap="square" rtlCol="0" anchor="ctr">
+            <a:noAutofit/>
+          </a:bodyPr>
+          <a:lstStyle/>
+          <a:p>
+            <a:pPr marL="0" marR="0" lvl="0" indent="0" algn="ctr" defTabSz="914400" rtl="0" eaLnBrk="1" fontAlgn="auto" latinLnBrk="0" hangingPunct="1">
+              <a:lnSpc>
+                <a:spcPct val="100000"/>
+              </a:lnSpc>
+              <a:spcBef>
+                <a:spcPts val="0"/>
+              </a:spcBef>
+              <a:spcAft>
+                <a:spcPts val="0"/>
+              </a:spcAft>
+              <a:buClrTx/>
+              <a:buSzTx/>
+              <a:buFontTx/>
+              <a:buNone/>
+              <a:tabLst/>
+              <a:defRPr/>
+            </a:pPr>
+            <a:endParaRPr kumimoji="0" lang="en-US" sz="1800" b="0" i="0" u="none" strike="noStrike" kern="1200" cap="none" spc="0" normalizeH="0" baseline="0" noProof="0">
+              <a:ln>
+                <a:noFill/>
+              </a:ln>
+              <a:solidFill>
+                <a:prstClr val="white"/>
+              </a:solidFill>
+              <a:effectLst/>
+              <a:uLnTx/>
+              <a:uFillTx/>
+              <a:latin typeface="Calibri" panose="020F0502020204030204"/>
+              <a:ea typeface="+mn-ea"/>
+              <a:cs typeface="+mn-cs"/>
+            </a:endParaRPr>
+          </a:p>
+        </p:txBody>
+      </p:sp>
+      <p:sp useBgFill="1">
+        <p:nvSpPr>
+          <p:cNvPr id="18" name="Freeform: Shape 17">
+            <a:extLst>
+              <a:ext uri="{FF2B5EF4-FFF2-40B4-BE49-F238E27FC236}">
+                <a16:creationId xmlns:a16="http://schemas.microsoft.com/office/drawing/2014/main" id="{84D4DDB8-B68F-45B0-9F62-C4279996F672}"/>
+              </a:ext>
+              <a:ext uri="{C183D7F6-B498-43B3-948B-1728B52AA6E4}">
+                <adec:decorative xmlns:adec="http://schemas.microsoft.com/office/drawing/2017/decorative" val="1"/>
+              </a:ext>
+            </a:extLst>
+          </p:cNvPr>
+          <p:cNvSpPr>
+            <a:spLocks noGrp="1" noRot="1" noChangeAspect="1" noMove="1" noResize="1" noEditPoints="1" noAdjustHandles="1" noChangeArrowheads="1" noChangeShapeType="1" noTextEdit="1"/>
+          </p:cNvSpPr>
+          <p:nvPr>
+            <p:extLst>
+              <p:ext uri="{386F3935-93C4-4BCD-93E2-E3B085C9AB24}">
+                <p16:designElem xmlns:p16="http://schemas.microsoft.com/office/powerpoint/2015/main" val="1"/>
+              </p:ext>
+            </p:extLst>
+          </p:nvPr>
+        </p:nvSpPr>
+        <p:spPr>
+          <a:xfrm>
+            <a:off x="0" y="0"/>
+            <a:ext cx="4948887" cy="6858000"/>
+          </a:xfrm>
+          <a:custGeom>
+            <a:avLst/>
+            <a:gdLst>
+              <a:gd name="connsiteX0" fmla="*/ 0 w 4948887"/>
+              <a:gd name="connsiteY0" fmla="*/ 0 h 6858000"/>
+              <a:gd name="connsiteX1" fmla="*/ 4099967 w 4948887"/>
+              <a:gd name="connsiteY1" fmla="*/ 0 h 6858000"/>
+              <a:gd name="connsiteX2" fmla="*/ 4168864 w 4948887"/>
+              <a:gd name="connsiteY2" fmla="*/ 123368 h 6858000"/>
+              <a:gd name="connsiteX3" fmla="*/ 4948887 w 4948887"/>
+              <a:gd name="connsiteY3" fmla="*/ 3429000 h 6858000"/>
+              <a:gd name="connsiteX4" fmla="*/ 4168864 w 4948887"/>
+              <a:gd name="connsiteY4" fmla="*/ 6734633 h 6858000"/>
+              <a:gd name="connsiteX5" fmla="*/ 4099967 w 4948887"/>
+              <a:gd name="connsiteY5" fmla="*/ 6858000 h 6858000"/>
+              <a:gd name="connsiteX6" fmla="*/ 0 w 4948887"/>
+              <a:gd name="connsiteY6" fmla="*/ 6858000 h 6858000"/>
+            </a:gdLst>
+            <a:ahLst/>
+            <a:cxnLst>
+              <a:cxn ang="0">
+                <a:pos x="connsiteX0" y="connsiteY0"/>
+              </a:cxn>
+              <a:cxn ang="0">
+                <a:pos x="connsiteX1" y="connsiteY1"/>
+              </a:cxn>
+              <a:cxn ang="0">
+                <a:pos x="connsiteX2" y="connsiteY2"/>
+              </a:cxn>
+              <a:cxn ang="0">
+                <a:pos x="connsiteX3" y="connsiteY3"/>
+              </a:cxn>
+              <a:cxn ang="0">
+                <a:pos x="connsiteX4" y="connsiteY4"/>
+              </a:cxn>
+              <a:cxn ang="0">
+                <a:pos x="connsiteX5" y="connsiteY5"/>
+              </a:cxn>
+              <a:cxn ang="0">
+                <a:pos x="connsiteX6" y="connsiteY6"/>
+              </a:cxn>
+            </a:cxnLst>
+            <a:rect l="l" t="t" r="r" b="b"/>
+            <a:pathLst>
+              <a:path w="4948887" h="6858000">
+                <a:moveTo>
+                  <a:pt x="0" y="0"/>
+                </a:moveTo>
+                <a:lnTo>
+                  <a:pt x="4099967" y="0"/>
+                </a:lnTo>
+                <a:lnTo>
+                  <a:pt x="4168864" y="123368"/>
+                </a:lnTo>
+                <a:cubicBezTo>
+                  <a:pt x="4658769" y="1045156"/>
+                  <a:pt x="4948887" y="2189404"/>
+                  <a:pt x="4948887" y="3429000"/>
+                </a:cubicBezTo>
+                <a:cubicBezTo>
+                  <a:pt x="4948887" y="4668597"/>
+                  <a:pt x="4658769" y="5812845"/>
+                  <a:pt x="4168864" y="6734633"/>
+                </a:cubicBezTo>
+                <a:lnTo>
+                  <a:pt x="4099967" y="6858000"/>
+                </a:lnTo>
+                <a:lnTo>
+                  <a:pt x="0" y="6858000"/>
+                </a:lnTo>
+                <a:close/>
+              </a:path>
+            </a:pathLst>
+          </a:custGeom>
+          <a:ln w="9525">
+            <a:noFill/>
+          </a:ln>
+          <a:effectLst/>
+        </p:spPr>
+        <p:style>
+          <a:lnRef idx="2">
+            <a:schemeClr val="accent1">
+              <a:shade val="50000"/>
+            </a:schemeClr>
+          </a:lnRef>
+          <a:fillRef idx="1">
+            <a:schemeClr val="accent1"/>
+          </a:fillRef>
+          <a:effectRef idx="0">
+            <a:schemeClr val="accent1"/>
+          </a:effectRef>
+          <a:fontRef idx="minor">
+            <a:schemeClr val="lt1"/>
+          </a:fontRef>
+        </p:style>
+        <p:txBody>
+          <a:bodyPr wrap="square" rtlCol="0" anchor="ctr">
+            <a:noAutofit/>
+          </a:bodyPr>
+          <a:lstStyle/>
+          <a:p>
+            <a:pPr marL="0" marR="0" lvl="0" indent="0" algn="ctr" defTabSz="914400" rtl="0" eaLnBrk="1" fontAlgn="auto" latinLnBrk="0" hangingPunct="1">
+              <a:lnSpc>
+                <a:spcPct val="100000"/>
+              </a:lnSpc>
+              <a:spcBef>
+                <a:spcPts val="0"/>
+              </a:spcBef>
+              <a:spcAft>
+                <a:spcPts val="0"/>
+              </a:spcAft>
+              <a:buClrTx/>
+              <a:buSzTx/>
+              <a:buFontTx/>
+              <a:buNone/>
+              <a:tabLst/>
+              <a:defRPr/>
+            </a:pPr>
+            <a:endParaRPr kumimoji="0" lang="en-US" sz="1800" b="0" i="0" u="none" strike="noStrike" kern="1200" cap="none" spc="0" normalizeH="0" baseline="0" noProof="0">
+              <a:ln>
+                <a:noFill/>
+              </a:ln>
+              <a:solidFill>
+                <a:prstClr val="white"/>
+              </a:solidFill>
+              <a:effectLst/>
+              <a:uLnTx/>
+              <a:uFillTx/>
+              <a:latin typeface="Calibri" panose="020F0502020204030204"/>
+              <a:ea typeface="+mn-ea"/>
+              <a:cs typeface="+mn-cs"/>
+            </a:endParaRPr>
+          </a:p>
+        </p:txBody>
+      </p:sp>
+      <p:sp>
+        <p:nvSpPr>
+          <p:cNvPr id="2" name="标题 1">
+            <a:extLst>
+              <a:ext uri="{FF2B5EF4-FFF2-40B4-BE49-F238E27FC236}">
+                <a16:creationId xmlns:a16="http://schemas.microsoft.com/office/drawing/2014/main" id="{9A0BB421-AC05-D831-742A-5BC8C066FE3F}"/>
+              </a:ext>
+            </a:extLst>
+          </p:cNvPr>
+          <p:cNvSpPr>
+            <a:spLocks noGrp="1"/>
+          </p:cNvSpPr>
+          <p:nvPr>
+            <p:ph type="title"/>
+          </p:nvPr>
+        </p:nvSpPr>
+        <p:spPr>
+          <a:xfrm>
+            <a:off x="477981" y="1122363"/>
+            <a:ext cx="4023360" cy="3204134"/>
+          </a:xfrm>
+        </p:spPr>
+        <p:txBody>
+          <a:bodyPr vert="horz" lIns="91440" tIns="45720" rIns="91440" bIns="45720" rtlCol="0" anchor="b">
+            <a:normAutofit/>
+          </a:bodyPr>
+          <a:lstStyle/>
+          <a:p>
+            <a:r>
+              <a:rPr lang="en-US" sz="4800" kern="1200">
+                <a:solidFill>
+                  <a:schemeClr val="tx1"/>
+                </a:solidFill>
+                <a:latin typeface="+mj-lt"/>
+                <a:ea typeface="+mj-ea"/>
+                <a:cs typeface="+mj-cs"/>
+              </a:rPr>
+              <a:t>erhu </a:t>
+            </a:r>
+          </a:p>
+        </p:txBody>
+      </p:sp>
+      <p:sp>
+        <p:nvSpPr>
+          <p:cNvPr id="20" name="Rectangle 19">
+            <a:extLst>
+              <a:ext uri="{FF2B5EF4-FFF2-40B4-BE49-F238E27FC236}">
+                <a16:creationId xmlns:a16="http://schemas.microsoft.com/office/drawing/2014/main" id="{AF2F604E-43BE-4DC3-B983-E071523364F8}"/>
+              </a:ext>
+              <a:ext uri="{C183D7F6-B498-43B3-948B-1728B52AA6E4}">
+                <adec:decorative xmlns:adec="http://schemas.microsoft.com/office/drawing/2017/decorative" val="1"/>
+              </a:ext>
+            </a:extLst>
+          </p:cNvPr>
+          <p:cNvSpPr>
+            <a:spLocks noGrp="1" noRot="1" noChangeAspect="1" noMove="1" noResize="1" noEditPoints="1" noAdjustHandles="1" noChangeArrowheads="1" noChangeShapeType="1" noTextEdit="1"/>
+          </p:cNvSpPr>
+          <p:nvPr>
+            <p:extLst>
+              <p:ext uri="{386F3935-93C4-4BCD-93E2-E3B085C9AB24}">
+                <p16:designElem xmlns:p16="http://schemas.microsoft.com/office/powerpoint/2015/main" val="1"/>
+              </p:ext>
+            </p:extLst>
+          </p:nvPr>
+        </p:nvSpPr>
+        <p:spPr>
+          <a:xfrm rot="5400000">
+            <a:off x="759921" y="346791"/>
+            <a:ext cx="146304" cy="704088"/>
+          </a:xfrm>
+          <a:prstGeom prst="rect">
+            <a:avLst/>
+          </a:prstGeom>
+          <a:solidFill>
+            <a:schemeClr val="accent2"/>
+          </a:solidFill>
+          <a:ln>
+            <a:noFill/>
+          </a:ln>
+        </p:spPr>
+        <p:style>
+          <a:lnRef idx="2">
+            <a:schemeClr val="accent1">
+              <a:shade val="50000"/>
+            </a:schemeClr>
+          </a:lnRef>
+          <a:fillRef idx="1">
+            <a:schemeClr val="accent1"/>
+          </a:fillRef>
+          <a:effectRef idx="0">
+            <a:schemeClr val="accent1"/>
+          </a:effectRef>
+          <a:fontRef idx="minor">
+            <a:schemeClr val="lt1"/>
+          </a:fontRef>
+        </p:style>
+        <p:txBody>
+          <a:bodyPr rtlCol="0" anchor="ctr"/>
+          <a:lstStyle/>
+          <a:p>
+            <a:pPr algn="ctr"/>
+            <a:endParaRPr lang="en-US">
+              <a:solidFill>
+                <a:prstClr val="white"/>
+              </a:solidFill>
+              <a:latin typeface="Calibri" panose="020F0502020204030204"/>
+            </a:endParaRPr>
+          </a:p>
+        </p:txBody>
+      </p:sp>
+      <p:sp>
+        <p:nvSpPr>
+          <p:cNvPr id="22" name="Rectangle 21">
+            <a:extLst>
+              <a:ext uri="{FF2B5EF4-FFF2-40B4-BE49-F238E27FC236}">
+                <a16:creationId xmlns:a16="http://schemas.microsoft.com/office/drawing/2014/main" id="{08C9B587-E65E-4B52-B37C-ABEBB6E87928}"/>
+              </a:ext>
+              <a:ext uri="{C183D7F6-B498-43B3-948B-1728B52AA6E4}">
+                <adec:decorative xmlns:adec="http://schemas.microsoft.com/office/drawing/2017/decorative" val="1"/>
+              </a:ext>
+            </a:extLst>
+          </p:cNvPr>
+          <p:cNvSpPr>
+            <a:spLocks noGrp="1" noRot="1" noChangeAspect="1" noMove="1" noResize="1" noEditPoints="1" noAdjustHandles="1" noChangeArrowheads="1" noChangeShapeType="1" noTextEdit="1"/>
+          </p:cNvSpPr>
+          <p:nvPr>
+            <p:extLst>
+              <p:ext uri="{386F3935-93C4-4BCD-93E2-E3B085C9AB24}">
+                <p16:designElem xmlns:p16="http://schemas.microsoft.com/office/powerpoint/2015/main" val="1"/>
+              </p:ext>
+            </p:extLst>
+          </p:nvPr>
+        </p:nvSpPr>
+        <p:spPr>
+          <a:xfrm>
+            <a:off x="481029" y="4546920"/>
+            <a:ext cx="4023360" cy="18288"/>
+          </a:xfrm>
+          <a:prstGeom prst="rect">
+            <a:avLst/>
+          </a:prstGeom>
+          <a:solidFill>
+            <a:srgbClr val="D5D5D5"/>
+          </a:solidFill>
+          <a:ln w="3175">
+            <a:noFill/>
+          </a:ln>
+          <a:effectLst/>
+        </p:spPr>
+        <p:style>
+          <a:lnRef idx="2">
+            <a:schemeClr val="accent1">
+              <a:shade val="50000"/>
+            </a:schemeClr>
+          </a:lnRef>
+          <a:fillRef idx="1">
+            <a:schemeClr val="accent1"/>
+          </a:fillRef>
+          <a:effectRef idx="0">
+            <a:schemeClr val="accent1"/>
+          </a:effectRef>
+          <a:fontRef idx="minor">
+            <a:schemeClr val="lt1"/>
+          </a:fontRef>
+        </p:style>
+        <p:txBody>
+          <a:bodyPr rtlCol="0" anchor="ctr"/>
+          <a:lstStyle/>
+          <a:p>
+            <a:pPr marL="0" marR="0" lvl="0" indent="0" algn="ctr" defTabSz="914400" rtl="0" eaLnBrk="1" fontAlgn="auto" latinLnBrk="0" hangingPunct="1">
+              <a:lnSpc>
+                <a:spcPct val="100000"/>
+              </a:lnSpc>
+              <a:spcBef>
+                <a:spcPts val="0"/>
+              </a:spcBef>
+              <a:spcAft>
+                <a:spcPts val="0"/>
+              </a:spcAft>
+              <a:buClrTx/>
+              <a:buSzTx/>
+              <a:buFontTx/>
+              <a:buNone/>
+              <a:tabLst/>
+              <a:defRPr/>
+            </a:pPr>
+            <a:endParaRPr kumimoji="0" lang="en-US" sz="1800" b="0" i="0" u="none" strike="noStrike" kern="1200" cap="none" spc="0" normalizeH="0" baseline="0" noProof="0">
+              <a:ln>
+                <a:noFill/>
+              </a:ln>
+              <a:solidFill>
+                <a:prstClr val="white"/>
+              </a:solidFill>
+              <a:effectLst/>
+              <a:uLnTx/>
+              <a:uFillTx/>
+              <a:latin typeface="Calibri" panose="020F0502020204030204"/>
+              <a:ea typeface="+mn-ea"/>
+              <a:cs typeface="+mn-cs"/>
+            </a:endParaRPr>
+          </a:p>
+        </p:txBody>
+      </p:sp>
+      <p:pic>
+        <p:nvPicPr>
+          <p:cNvPr id="9" name="内容占位符 8" descr="图片包含 游戏机&#10;&#10;描述已自动生成">
+            <a:extLst>
+              <a:ext uri="{FF2B5EF4-FFF2-40B4-BE49-F238E27FC236}">
+                <a16:creationId xmlns:a16="http://schemas.microsoft.com/office/drawing/2014/main" id="{6446E7C8-F305-A10A-2E7A-7AE9ABEAD4FC}"/>
+              </a:ext>
+            </a:extLst>
+          </p:cNvPr>
+          <p:cNvPicPr>
+            <a:picLocks noGrp="1" noChangeAspect="1"/>
+          </p:cNvPicPr>
+          <p:nvPr>
+            <p:ph idx="1"/>
+          </p:nvPr>
+        </p:nvPicPr>
+        <p:blipFill>
+          <a:blip r:embed="rId2">
+            <a:extLst>
+              <a:ext uri="{28A0092B-C50C-407E-A947-70E740481C1C}">
+                <a14:useLocalDpi xmlns:a14="http://schemas.microsoft.com/office/drawing/2010/main" val="0"/>
+              </a:ext>
+            </a:extLst>
+          </a:blip>
+          <a:stretch>
+            <a:fillRect/>
+          </a:stretch>
+        </p:blipFill>
+        <p:spPr>
+          <a:xfrm>
+            <a:off x="6177491" y="625684"/>
+            <a:ext cx="4882565" cy="5455380"/>
+          </a:xfrm>
+          <a:prstGeom prst="rect">
+            <a:avLst/>
+          </a:prstGeom>
+        </p:spPr>
+      </p:pic>
+    </p:spTree>
+    <p:extLst>
+      <p:ext uri="{BB962C8B-B14F-4D97-AF65-F5344CB8AC3E}">
+        <p14:creationId xmlns:p14="http://schemas.microsoft.com/office/powerpoint/2010/main" val="1341385630"/>
+      </p:ext>
+    </p:extLst>
+  </p:cSld>
+  <p:clrMapOvr>
+    <a:masterClrMapping/>
+  </p:clrMapOvr>
+</p:sld>
+</file>
+
+<file path=ppt/slides/slide8.xml><?xml version="1.0" encoding="utf-8"?>
+<p:sld xmlns:a="http://schemas.openxmlformats.org/drawingml/2006/main" xmlns:r="http://schemas.openxmlformats.org/officeDocument/2006/relationships" xmlns:p="http://schemas.openxmlformats.org/presentationml/2006/main">
+  <p:cSld>
+    <p:bg>
+      <p:bgPr>
+        <a:solidFill>
+          <a:schemeClr val="bg1"/>
+        </a:solidFill>
+        <a:effectLst/>
+      </p:bgPr>
+    </p:bg>
+    <p:spTree>
+      <p:nvGrpSpPr>
+        <p:cNvPr id="1" name=""/>
+        <p:cNvGrpSpPr/>
+        <p:nvPr/>
+      </p:nvGrpSpPr>
+      <p:grpSpPr>
+        <a:xfrm>
+          <a:off x="0" y="0"/>
+          <a:ext cx="0" cy="0"/>
+          <a:chOff x="0" y="0"/>
+          <a:chExt cx="0" cy="0"/>
+        </a:xfrm>
+      </p:grpSpPr>
+      <p:sp>
+        <p:nvSpPr>
+          <p:cNvPr id="10" name="Rectangle 9">
+            <a:extLst>
+              <a:ext uri="{FF2B5EF4-FFF2-40B4-BE49-F238E27FC236}">
+                <a16:creationId xmlns:a16="http://schemas.microsoft.com/office/drawing/2014/main" id="{823AC064-BC96-4F32-8AE1-B2FD38754823}"/>
+              </a:ext>
+              <a:ext uri="{C183D7F6-B498-43B3-948B-1728B52AA6E4}">
+                <adec:decorative xmlns:adec="http://schemas.microsoft.com/office/drawing/2017/decorative" val="1"/>
+              </a:ext>
+            </a:extLst>
+          </p:cNvPr>
+          <p:cNvSpPr>
+            <a:spLocks noGrp="1" noRot="1" noChangeAspect="1" noMove="1" noResize="1" noEditPoints="1" noAdjustHandles="1" noChangeArrowheads="1" noChangeShapeType="1" noTextEdit="1"/>
+          </p:cNvSpPr>
+          <p:nvPr>
+            <p:extLst>
+              <p:ext uri="{386F3935-93C4-4BCD-93E2-E3B085C9AB24}">
+                <p16:designElem xmlns:p16="http://schemas.microsoft.com/office/powerpoint/2015/main" val="1"/>
+              </p:ext>
+            </p:extLst>
+          </p:nvPr>
+        </p:nvSpPr>
+        <p:spPr bwMode="ltGray">
+          <a:xfrm>
+            <a:off x="378068" y="343486"/>
+            <a:ext cx="11438793" cy="1844256"/>
+          </a:xfrm>
+          <a:prstGeom prst="rect">
+            <a:avLst/>
+          </a:prstGeom>
+          <a:solidFill>
+            <a:srgbClr val="404040"/>
+          </a:solidFill>
+          <a:ln w="127000" cap="sq" cmpd="thinThick">
+            <a:solidFill>
+              <a:srgbClr val="404040"/>
+            </a:solidFill>
+          </a:ln>
+        </p:spPr>
+        <p:style>
+          <a:lnRef idx="2">
+            <a:schemeClr val="accent1">
+              <a:shade val="50000"/>
+            </a:schemeClr>
+          </a:lnRef>
+          <a:fillRef idx="1">
+            <a:schemeClr val="accent1"/>
+          </a:fillRef>
+          <a:effectRef idx="0">
+            <a:schemeClr val="accent1"/>
+          </a:effectRef>
+          <a:fontRef idx="minor">
+            <a:schemeClr val="lt1"/>
+          </a:fontRef>
+        </p:style>
+        <p:txBody>
+          <a:bodyPr rtlCol="0" anchor="ctr"/>
+          <a:lstStyle/>
+          <a:p>
+            <a:pPr marL="0" marR="0" lvl="0" indent="0" algn="ctr" defTabSz="914400" rtl="0" eaLnBrk="1" fontAlgn="auto" latinLnBrk="0" hangingPunct="1">
+              <a:lnSpc>
+                <a:spcPct val="100000"/>
+              </a:lnSpc>
+              <a:spcBef>
+                <a:spcPts val="0"/>
+              </a:spcBef>
+              <a:spcAft>
+                <a:spcPts val="0"/>
+              </a:spcAft>
+              <a:buClrTx/>
+              <a:buSzTx/>
+              <a:buFontTx/>
+              <a:buNone/>
+              <a:tabLst/>
+              <a:defRPr/>
+            </a:pPr>
+            <a:endParaRPr kumimoji="0" lang="en-US" sz="1800" b="0" i="0" u="none" strike="noStrike" kern="1200" cap="none" spc="0" normalizeH="0" baseline="0" noProof="0">
+              <a:ln>
+                <a:noFill/>
+              </a:ln>
+              <a:solidFill>
+                <a:prstClr val="white"/>
+              </a:solidFill>
+              <a:effectLst/>
+              <a:uLnTx/>
+              <a:uFillTx/>
+              <a:latin typeface="Calibri" panose="020F0502020204030204"/>
+              <a:ea typeface="+mn-ea"/>
+              <a:cs typeface="+mn-cs"/>
+            </a:endParaRPr>
+          </a:p>
+        </p:txBody>
+      </p:sp>
+      <p:sp>
+        <p:nvSpPr>
+          <p:cNvPr id="2" name="标题 1">
+            <a:extLst>
+              <a:ext uri="{FF2B5EF4-FFF2-40B4-BE49-F238E27FC236}">
+                <a16:creationId xmlns:a16="http://schemas.microsoft.com/office/drawing/2014/main" id="{FF6F8481-FB8B-A5BE-00F6-173350E6DAB5}"/>
+              </a:ext>
+            </a:extLst>
+          </p:cNvPr>
+          <p:cNvSpPr>
+            <a:spLocks noGrp="1"/>
+          </p:cNvSpPr>
+          <p:nvPr>
+            <p:ph type="title"/>
+          </p:nvPr>
+        </p:nvSpPr>
+        <p:spPr>
+          <a:xfrm>
+            <a:off x="526073" y="466578"/>
+            <a:ext cx="11139854" cy="930447"/>
+          </a:xfrm>
+        </p:spPr>
+        <p:txBody>
+          <a:bodyPr vert="horz" lIns="91440" tIns="45720" rIns="91440" bIns="45720" rtlCol="0" anchor="b">
+            <a:normAutofit/>
+          </a:bodyPr>
+          <a:lstStyle/>
+          <a:p>
+            <a:pPr algn="ctr"/>
+            <a:r>
+              <a:rPr lang="en-US" sz="3800" kern="1200">
+                <a:solidFill>
+                  <a:srgbClr val="FFFFFF"/>
+                </a:solidFill>
+                <a:latin typeface="+mj-lt"/>
+                <a:ea typeface="+mj-ea"/>
+                <a:cs typeface="+mj-cs"/>
+              </a:rPr>
+              <a:t>The Impact of Chinese Music on Culture and Society</a:t>
+            </a:r>
+          </a:p>
+        </p:txBody>
+      </p:sp>
+      <p:cxnSp>
+        <p:nvCxnSpPr>
+          <p:cNvPr id="12" name="Straight Connector 11">
+            <a:extLst>
+              <a:ext uri="{FF2B5EF4-FFF2-40B4-BE49-F238E27FC236}">
+                <a16:creationId xmlns:a16="http://schemas.microsoft.com/office/drawing/2014/main" id="{7E7C77BC-7138-40B1-A15B-20F57A494629}"/>
+              </a:ext>
+              <a:ext uri="{C183D7F6-B498-43B3-948B-1728B52AA6E4}">
+                <adec:decorative xmlns:adec="http://schemas.microsoft.com/office/drawing/2017/decorative" val="1"/>
+              </a:ext>
+            </a:extLst>
+          </p:cNvPr>
+          <p:cNvCxnSpPr>
+            <a:cxnSpLocks noGrp="1" noRot="1" noChangeAspect="1" noMove="1" noResize="1" noEditPoints="1" noAdjustHandles="1" noChangeArrowheads="1" noChangeShapeType="1"/>
+          </p:cNvCxnSpPr>
+          <p:nvPr>
+            <p:extLst>
+              <p:ext uri="{386F3935-93C4-4BCD-93E2-E3B085C9AB24}">
+                <p16:designElem xmlns:p16="http://schemas.microsoft.com/office/powerpoint/2015/main" val="1"/>
+              </p:ext>
+            </p:extLst>
+          </p:nvPr>
+        </p:nvCxnSpPr>
+        <p:spPr>
+          <a:xfrm>
+            <a:off x="2209800" y="1448631"/>
+            <a:ext cx="7772400" cy="0"/>
+          </a:xfrm>
+          <a:prstGeom prst="line">
+            <a:avLst/>
+          </a:prstGeom>
+          <a:ln w="22225">
+            <a:solidFill>
+              <a:srgbClr val="D9D9D9"/>
+            </a:solidFill>
+          </a:ln>
+        </p:spPr>
+        <p:style>
+          <a:lnRef idx="1">
+            <a:schemeClr val="accent1"/>
+          </a:lnRef>
+          <a:fillRef idx="0">
+            <a:schemeClr val="accent1"/>
+          </a:fillRef>
+          <a:effectRef idx="0">
+            <a:schemeClr val="accent1"/>
+          </a:effectRef>
+          <a:fontRef idx="minor">
+            <a:schemeClr val="tx1"/>
+          </a:fontRef>
+        </p:style>
+      </p:cxnSp>
+      <p:pic>
+        <p:nvPicPr>
+          <p:cNvPr id="5" name="内容占位符 4" descr="图片包含 人, 男人, 桌子, 穿着&#10;&#10;描述已自动生成">
+            <a:extLst>
+              <a:ext uri="{FF2B5EF4-FFF2-40B4-BE49-F238E27FC236}">
+                <a16:creationId xmlns:a16="http://schemas.microsoft.com/office/drawing/2014/main" id="{CCBC0FE6-1AFA-9642-E66F-D9C4D6F55411}"/>
+              </a:ext>
+            </a:extLst>
+          </p:cNvPr>
+          <p:cNvPicPr>
+            <a:picLocks noGrp="1" noChangeAspect="1"/>
+          </p:cNvPicPr>
+          <p:nvPr>
+            <p:ph idx="1"/>
+          </p:nvPr>
+        </p:nvPicPr>
+        <p:blipFill>
+          <a:blip r:embed="rId2">
+            <a:extLst>
+              <a:ext uri="{28A0092B-C50C-407E-A947-70E740481C1C}">
+                <a14:useLocalDpi xmlns:a14="http://schemas.microsoft.com/office/drawing/2010/main" val="0"/>
+              </a:ext>
+            </a:extLst>
+          </a:blip>
+          <a:stretch>
+            <a:fillRect/>
+          </a:stretch>
+        </p:blipFill>
+        <p:spPr>
+          <a:xfrm>
+            <a:off x="320040" y="2856061"/>
+            <a:ext cx="11496821" cy="3305336"/>
+          </a:xfrm>
+          <a:prstGeom prst="rect">
+            <a:avLst/>
+          </a:prstGeom>
+        </p:spPr>
+      </p:pic>
+    </p:spTree>
+    <p:extLst>
+      <p:ext uri="{BB962C8B-B14F-4D97-AF65-F5344CB8AC3E}">
+        <p14:creationId xmlns:p14="http://schemas.microsoft.com/office/powerpoint/2010/main" val="3299505905"/>
+      </p:ext>
+    </p:extLst>
+  </p:cSld>
+  <p:clrMapOvr>
+    <a:masterClrMapping/>
+  </p:clrMapOvr>
+</p:sld>
+</file>
+
+<file path=ppt/slides/slide9.xml><?xml version="1.0" encoding="utf-8"?>
 <p:sld xmlns:a="http://schemas.openxmlformats.org/drawingml/2006/main" xmlns:r="http://schemas.openxmlformats.org/officeDocument/2006/relationships" xmlns:p="http://schemas.openxmlformats.org/presentationml/2006/main">
   <p:cSld>
     <p:spTree>
@@ -3457,7 +6845,7 @@
           <p:cNvPr id="2" name="标题 1">
             <a:extLst>
               <a:ext uri="{FF2B5EF4-FFF2-40B4-BE49-F238E27FC236}">
-                <a16:creationId xmlns:a16="http://schemas.microsoft.com/office/drawing/2014/main" id="{412528CE-9A19-1CD6-9630-75ADA008819B}"/>
+                <a16:creationId xmlns:a16="http://schemas.microsoft.com/office/drawing/2014/main" id="{EB46AD9A-B876-EF97-0292-32E05A71AA7F}"/>
               </a:ext>
             </a:extLst>
           </p:cNvPr>
@@ -3473,104 +6861,10 @@
           <a:bodyPr/>
           <a:lstStyle/>
           <a:p>
-            <a:endParaRPr lang="en-US"/>
-          </a:p>
-        </p:txBody>
-      </p:sp>
-      <p:pic>
-        <p:nvPicPr>
-          <p:cNvPr id="5" name="内容占位符 4" descr="文本&#10;&#10;描述已自动生成">
-            <a:extLst>
-              <a:ext uri="{FF2B5EF4-FFF2-40B4-BE49-F238E27FC236}">
-                <a16:creationId xmlns:a16="http://schemas.microsoft.com/office/drawing/2014/main" id="{51E42881-3263-D67F-6F39-9746A219CDB7}"/>
-              </a:ext>
-            </a:extLst>
-          </p:cNvPr>
-          <p:cNvPicPr>
-            <a:picLocks noGrp="1" noChangeAspect="1"/>
-          </p:cNvPicPr>
-          <p:nvPr>
-            <p:ph idx="1"/>
-          </p:nvPr>
-        </p:nvPicPr>
-        <p:blipFill>
-          <a:blip r:embed="rId2">
-            <a:extLst>
-              <a:ext uri="{28A0092B-C50C-407E-A947-70E740481C1C}">
-                <a14:useLocalDpi xmlns:a14="http://schemas.microsoft.com/office/drawing/2010/main" val="0"/>
-              </a:ext>
-            </a:extLst>
-          </a:blip>
-          <a:stretch>
-            <a:fillRect/>
-          </a:stretch>
-        </p:blipFill>
-        <p:spPr>
-          <a:xfrm>
-            <a:off x="2228144" y="1825625"/>
-            <a:ext cx="7735712" cy="4351338"/>
-          </a:xfrm>
-        </p:spPr>
-      </p:pic>
-    </p:spTree>
-    <p:extLst>
-      <p:ext uri="{BB962C8B-B14F-4D97-AF65-F5344CB8AC3E}">
-        <p14:creationId xmlns:p14="http://schemas.microsoft.com/office/powerpoint/2010/main" val="3329446414"/>
-      </p:ext>
-    </p:extLst>
-  </p:cSld>
-  <p:clrMapOvr>
-    <a:masterClrMapping/>
-  </p:clrMapOvr>
-</p:sld>
-</file>
-
-<file path=ppt/slides/slide3.xml><?xml version="1.0" encoding="utf-8"?>
-<p:sld xmlns:a="http://schemas.openxmlformats.org/drawingml/2006/main" xmlns:r="http://schemas.openxmlformats.org/officeDocument/2006/relationships" xmlns:p="http://schemas.openxmlformats.org/presentationml/2006/main">
-  <p:cSld>
-    <p:spTree>
-      <p:nvGrpSpPr>
-        <p:cNvPr id="1" name=""/>
-        <p:cNvGrpSpPr/>
-        <p:nvPr/>
-      </p:nvGrpSpPr>
-      <p:grpSpPr>
-        <a:xfrm>
-          <a:off x="0" y="0"/>
-          <a:ext cx="0" cy="0"/>
-          <a:chOff x="0" y="0"/>
-          <a:chExt cx="0" cy="0"/>
-        </a:xfrm>
-      </p:grpSpPr>
-      <p:sp>
-        <p:nvSpPr>
-          <p:cNvPr id="2" name="标题 1">
-            <a:extLst>
-              <a:ext uri="{FF2B5EF4-FFF2-40B4-BE49-F238E27FC236}">
-                <a16:creationId xmlns:a16="http://schemas.microsoft.com/office/drawing/2014/main" id="{00EDF20C-2C93-888F-B187-BD5B463ED972}"/>
-              </a:ext>
-            </a:extLst>
-          </p:cNvPr>
-          <p:cNvSpPr>
-            <a:spLocks noGrp="1"/>
-          </p:cNvSpPr>
-          <p:nvPr>
-            <p:ph type="title"/>
-          </p:nvPr>
-        </p:nvSpPr>
-        <p:spPr/>
-        <p:txBody>
-          <a:bodyPr/>
-          <a:lstStyle/>
-          <a:p>
-            <a:r>
-              <a:rPr lang="en-US" b="0" i="0" dirty="0">
-                <a:effectLst/>
-                <a:latin typeface="Arial" panose="020B0604020202020204" pitchFamily="34" charset="0"/>
-              </a:rPr>
-              <a:t>styles and genres</a:t>
-            </a:r>
-            <a:endParaRPr lang="en-US" dirty="0"/>
+            <a:r>
+              <a:rPr lang="en-US" dirty="0"/>
+              <a:t>Thank you:	</a:t>
+            </a:r>
           </a:p>
         </p:txBody>
       </p:sp>
@@ -3579,257 +6873,7 @@
           <p:cNvPr id="3" name="内容占位符 2">
             <a:extLst>
               <a:ext uri="{FF2B5EF4-FFF2-40B4-BE49-F238E27FC236}">
-                <a16:creationId xmlns:a16="http://schemas.microsoft.com/office/drawing/2014/main" id="{88A1A807-2F16-0A7D-17AE-8D754E137B72}"/>
-              </a:ext>
-            </a:extLst>
-          </p:cNvPr>
-          <p:cNvSpPr>
-            <a:spLocks noGrp="1"/>
-          </p:cNvSpPr>
-          <p:nvPr>
-            <p:ph idx="1"/>
-          </p:nvPr>
-        </p:nvSpPr>
-        <p:spPr/>
-        <p:txBody>
-          <a:bodyPr/>
-          <a:lstStyle/>
-          <a:p>
-            <a:endParaRPr lang="en-US" dirty="0"/>
-          </a:p>
-        </p:txBody>
-      </p:sp>
-    </p:spTree>
-    <p:extLst>
-      <p:ext uri="{BB962C8B-B14F-4D97-AF65-F5344CB8AC3E}">
-        <p14:creationId xmlns:p14="http://schemas.microsoft.com/office/powerpoint/2010/main" val="86209816"/>
-      </p:ext>
-    </p:extLst>
-  </p:cSld>
-  <p:clrMapOvr>
-    <a:masterClrMapping/>
-  </p:clrMapOvr>
-</p:sld>
-</file>
-
-<file path=ppt/slides/slide4.xml><?xml version="1.0" encoding="utf-8"?>
-<p:sld xmlns:a="http://schemas.openxmlformats.org/drawingml/2006/main" xmlns:r="http://schemas.openxmlformats.org/officeDocument/2006/relationships" xmlns:p="http://schemas.openxmlformats.org/presentationml/2006/main">
-  <p:cSld>
-    <p:spTree>
-      <p:nvGrpSpPr>
-        <p:cNvPr id="1" name=""/>
-        <p:cNvGrpSpPr/>
-        <p:nvPr/>
-      </p:nvGrpSpPr>
-      <p:grpSpPr>
-        <a:xfrm>
-          <a:off x="0" y="0"/>
-          <a:ext cx="0" cy="0"/>
-          <a:chOff x="0" y="0"/>
-          <a:chExt cx="0" cy="0"/>
-        </a:xfrm>
-      </p:grpSpPr>
-      <p:sp>
-        <p:nvSpPr>
-          <p:cNvPr id="2" name="标题 1">
-            <a:extLst>
-              <a:ext uri="{FF2B5EF4-FFF2-40B4-BE49-F238E27FC236}">
-                <a16:creationId xmlns:a16="http://schemas.microsoft.com/office/drawing/2014/main" id="{72173CF1-84C9-EBA3-C33C-22EF6F024152}"/>
-              </a:ext>
-            </a:extLst>
-          </p:cNvPr>
-          <p:cNvSpPr>
-            <a:spLocks noGrp="1"/>
-          </p:cNvSpPr>
-          <p:nvPr>
-            <p:ph type="title"/>
-          </p:nvPr>
-        </p:nvSpPr>
-        <p:spPr/>
-        <p:txBody>
-          <a:bodyPr/>
-          <a:lstStyle/>
-          <a:p>
-            <a:r>
-              <a:rPr lang="en-US" dirty="0"/>
-              <a:t>Impact on the Japanese music industry</a:t>
-            </a:r>
-          </a:p>
-        </p:txBody>
-      </p:sp>
-      <p:sp>
-        <p:nvSpPr>
-          <p:cNvPr id="3" name="内容占位符 2">
-            <a:extLst>
-              <a:ext uri="{FF2B5EF4-FFF2-40B4-BE49-F238E27FC236}">
-                <a16:creationId xmlns:a16="http://schemas.microsoft.com/office/drawing/2014/main" id="{D037A8A0-A78D-8BC8-8597-EF889FBB9401}"/>
-              </a:ext>
-            </a:extLst>
-          </p:cNvPr>
-          <p:cNvSpPr>
-            <a:spLocks noGrp="1"/>
-          </p:cNvSpPr>
-          <p:nvPr>
-            <p:ph idx="1"/>
-          </p:nvPr>
-        </p:nvSpPr>
-        <p:spPr/>
-        <p:txBody>
-          <a:bodyPr/>
-          <a:lstStyle/>
-          <a:p>
-            <a:endParaRPr lang="en-US" dirty="0"/>
-          </a:p>
-        </p:txBody>
-      </p:sp>
-    </p:spTree>
-    <p:extLst>
-      <p:ext uri="{BB962C8B-B14F-4D97-AF65-F5344CB8AC3E}">
-        <p14:creationId xmlns:p14="http://schemas.microsoft.com/office/powerpoint/2010/main" val="2797079661"/>
-      </p:ext>
-    </p:extLst>
-  </p:cSld>
-  <p:clrMapOvr>
-    <a:masterClrMapping/>
-  </p:clrMapOvr>
-</p:sld>
-</file>
-
-<file path=ppt/slides/slide5.xml><?xml version="1.0" encoding="utf-8"?>
-<p:sld xmlns:a="http://schemas.openxmlformats.org/drawingml/2006/main" xmlns:r="http://schemas.openxmlformats.org/officeDocument/2006/relationships" xmlns:p="http://schemas.openxmlformats.org/presentationml/2006/main">
-  <p:cSld>
-    <p:spTree>
-      <p:nvGrpSpPr>
-        <p:cNvPr id="1" name=""/>
-        <p:cNvGrpSpPr/>
-        <p:nvPr/>
-      </p:nvGrpSpPr>
-      <p:grpSpPr>
-        <a:xfrm>
-          <a:off x="0" y="0"/>
-          <a:ext cx="0" cy="0"/>
-          <a:chOff x="0" y="0"/>
-          <a:chExt cx="0" cy="0"/>
-        </a:xfrm>
-      </p:grpSpPr>
-      <p:sp>
-        <p:nvSpPr>
-          <p:cNvPr id="2" name="标题 1">
-            <a:extLst>
-              <a:ext uri="{FF2B5EF4-FFF2-40B4-BE49-F238E27FC236}">
-                <a16:creationId xmlns:a16="http://schemas.microsoft.com/office/drawing/2014/main" id="{53389E6B-6CB3-A0F3-E7E8-B0C6DC113A38}"/>
-              </a:ext>
-            </a:extLst>
-          </p:cNvPr>
-          <p:cNvSpPr>
-            <a:spLocks noGrp="1"/>
-          </p:cNvSpPr>
-          <p:nvPr>
-            <p:ph type="title"/>
-          </p:nvPr>
-        </p:nvSpPr>
-        <p:spPr/>
-        <p:txBody>
-          <a:bodyPr/>
-          <a:lstStyle/>
-          <a:p>
-            <a:r>
-              <a:rPr lang="en-US" dirty="0"/>
-              <a:t>How Fans enjoy and appreciate the music</a:t>
-            </a:r>
-          </a:p>
-        </p:txBody>
-      </p:sp>
-      <p:sp>
-        <p:nvSpPr>
-          <p:cNvPr id="3" name="内容占位符 2">
-            <a:extLst>
-              <a:ext uri="{FF2B5EF4-FFF2-40B4-BE49-F238E27FC236}">
-                <a16:creationId xmlns:a16="http://schemas.microsoft.com/office/drawing/2014/main" id="{D30FD2E2-31D5-E7F3-8D4D-943E1B49ACB2}"/>
-              </a:ext>
-            </a:extLst>
-          </p:cNvPr>
-          <p:cNvSpPr>
-            <a:spLocks noGrp="1"/>
-          </p:cNvSpPr>
-          <p:nvPr>
-            <p:ph idx="1"/>
-          </p:nvPr>
-        </p:nvSpPr>
-        <p:spPr/>
-        <p:txBody>
-          <a:bodyPr/>
-          <a:lstStyle/>
-          <a:p>
-            <a:endParaRPr lang="en-US"/>
-          </a:p>
-        </p:txBody>
-      </p:sp>
-    </p:spTree>
-    <p:extLst>
-      <p:ext uri="{BB962C8B-B14F-4D97-AF65-F5344CB8AC3E}">
-        <p14:creationId xmlns:p14="http://schemas.microsoft.com/office/powerpoint/2010/main" val="4229653799"/>
-      </p:ext>
-    </p:extLst>
-  </p:cSld>
-  <p:clrMapOvr>
-    <a:masterClrMapping/>
-  </p:clrMapOvr>
-</p:sld>
-</file>
-
-<file path=ppt/slides/slide6.xml><?xml version="1.0" encoding="utf-8"?>
-<p:sld xmlns:a="http://schemas.openxmlformats.org/drawingml/2006/main" xmlns:r="http://schemas.openxmlformats.org/officeDocument/2006/relationships" xmlns:p="http://schemas.openxmlformats.org/presentationml/2006/main">
-  <p:cSld>
-    <p:spTree>
-      <p:nvGrpSpPr>
-        <p:cNvPr id="1" name=""/>
-        <p:cNvGrpSpPr/>
-        <p:nvPr/>
-      </p:nvGrpSpPr>
-      <p:grpSpPr>
-        <a:xfrm>
-          <a:off x="0" y="0"/>
-          <a:ext cx="0" cy="0"/>
-          <a:chOff x="0" y="0"/>
-          <a:chExt cx="0" cy="0"/>
-        </a:xfrm>
-      </p:grpSpPr>
-      <p:sp>
-        <p:nvSpPr>
-          <p:cNvPr id="2" name="标题 1">
-            <a:extLst>
-              <a:ext uri="{FF2B5EF4-FFF2-40B4-BE49-F238E27FC236}">
-                <a16:creationId xmlns:a16="http://schemas.microsoft.com/office/drawing/2014/main" id="{D4C6ED18-8AB9-9B7E-1687-A27A83A9F315}"/>
-              </a:ext>
-            </a:extLst>
-          </p:cNvPr>
-          <p:cNvSpPr>
-            <a:spLocks noGrp="1"/>
-          </p:cNvSpPr>
-          <p:nvPr>
-            <p:ph type="title"/>
-          </p:nvPr>
-        </p:nvSpPr>
-        <p:spPr/>
-        <p:txBody>
-          <a:bodyPr/>
-          <a:lstStyle/>
-          <a:p>
-            <a:r>
-              <a:rPr lang="en-US" dirty="0" err="1"/>
-              <a:t>Cridited</a:t>
-            </a:r>
-            <a:endParaRPr lang="en-US" dirty="0"/>
-          </a:p>
-        </p:txBody>
-      </p:sp>
-      <p:sp>
-        <p:nvSpPr>
-          <p:cNvPr id="3" name="内容占位符 2">
-            <a:extLst>
-              <a:ext uri="{FF2B5EF4-FFF2-40B4-BE49-F238E27FC236}">
-                <a16:creationId xmlns:a16="http://schemas.microsoft.com/office/drawing/2014/main" id="{EBECAA46-9146-35BA-28B9-21B167CA71D5}"/>
+                <a16:creationId xmlns:a16="http://schemas.microsoft.com/office/drawing/2014/main" id="{60B2EB60-44D7-2574-88FA-0DC8B1D32F21}"/>
               </a:ext>
             </a:extLst>
           </p:cNvPr>
@@ -3849,97 +6893,54 @@
               <a:rPr lang="en-US" dirty="0">
                 <a:hlinkClick r:id="rId2"/>
               </a:rPr>
-              <a:t>https://</a:t>
+              <a:t>http://</a:t>
             </a:r>
             <a:r>
               <a:rPr lang="en-US" dirty="0" err="1">
                 <a:hlinkClick r:id="rId2"/>
               </a:rPr>
-              <a:t>www.crunchyroll.com</a:t>
+              <a:t>www.chinafacttours.com</a:t>
             </a:r>
             <a:r>
               <a:rPr lang="en-US" dirty="0">
                 <a:hlinkClick r:id="rId2"/>
               </a:rPr>
-              <a:t>/series/GY9PJ5KWR/</a:t>
+              <a:t>/photo/music/</a:t>
             </a:r>
             <a:r>
               <a:rPr lang="en-US" dirty="0" err="1">
                 <a:hlinkClick r:id="rId2"/>
               </a:rPr>
-              <a:t>naruto</a:t>
+              <a:t>chinese</a:t>
+            </a:r>
+            <a:r>
+              <a:rPr lang="en-US" dirty="0">
+                <a:hlinkClick r:id="rId2"/>
+              </a:rPr>
+              <a:t>-music/index-19.html</a:t>
             </a:r>
             <a:endParaRPr lang="en-US" dirty="0"/>
           </a:p>
           <a:p>
             <a:r>
-              <a:rPr lang="en-US" sz="1800" dirty="0">
-                <a:effectLst/>
-                <a:latin typeface="Times New Roman" panose="02020603050405020304" pitchFamily="18" charset="0"/>
-                <a:ea typeface="等线" panose="02010600030101010101" pitchFamily="2" charset="-122"/>
+              <a:rPr lang="en-US" dirty="0">
                 <a:hlinkClick r:id="rId3"/>
               </a:rPr>
               <a:t>https://</a:t>
             </a:r>
             <a:r>
-              <a:rPr lang="en-US" sz="1800" dirty="0" err="1">
-                <a:effectLst/>
-                <a:latin typeface="Times New Roman" panose="02020603050405020304" pitchFamily="18" charset="0"/>
-                <a:ea typeface="等线" panose="02010600030101010101" pitchFamily="2" charset="-122"/>
+              <a:rPr lang="en-US" dirty="0" err="1">
                 <a:hlinkClick r:id="rId3"/>
               </a:rPr>
-              <a:t>newsroom.spotify.com</a:t>
-            </a:r>
-            <a:r>
-              <a:rPr lang="en-US" sz="1800" dirty="0">
-                <a:effectLst/>
-                <a:latin typeface="Times New Roman" panose="02020603050405020304" pitchFamily="18" charset="0"/>
-                <a:ea typeface="等线" panose="02010600030101010101" pitchFamily="2" charset="-122"/>
+              <a:t>miloshluczynski.com</a:t>
+            </a:r>
+            <a:r>
+              <a:rPr lang="en-US" dirty="0">
                 <a:hlinkClick r:id="rId3"/>
               </a:rPr>
-              <a:t>/2018-11-20/big-in-</a:t>
-            </a:r>
-            <a:r>
-              <a:rPr lang="en-US" sz="1800" dirty="0" err="1">
-                <a:effectLst/>
-                <a:latin typeface="Times New Roman" panose="02020603050405020304" pitchFamily="18" charset="0"/>
-                <a:ea typeface="等线" panose="02010600030101010101" pitchFamily="2" charset="-122"/>
-                <a:hlinkClick r:id="rId3"/>
-              </a:rPr>
-              <a:t>japan</a:t>
-            </a:r>
-            <a:r>
-              <a:rPr lang="en-US" sz="1800" dirty="0">
-                <a:effectLst/>
-                <a:latin typeface="Times New Roman" panose="02020603050405020304" pitchFamily="18" charset="0"/>
-                <a:ea typeface="等线" panose="02010600030101010101" pitchFamily="2" charset="-122"/>
-                <a:hlinkClick r:id="rId3"/>
-              </a:rPr>
-              <a:t>-how-anime-has-helped-</a:t>
-            </a:r>
-            <a:r>
-              <a:rPr lang="en-US" sz="1800" dirty="0" err="1">
-                <a:effectLst/>
-                <a:latin typeface="Times New Roman" panose="02020603050405020304" pitchFamily="18" charset="0"/>
-                <a:ea typeface="等线" panose="02010600030101010101" pitchFamily="2" charset="-122"/>
-                <a:hlinkClick r:id="rId3"/>
-              </a:rPr>
-              <a:t>japanese</a:t>
-            </a:r>
-            <a:r>
-              <a:rPr lang="en-US" sz="1800" dirty="0">
-                <a:effectLst/>
-                <a:latin typeface="Times New Roman" panose="02020603050405020304" pitchFamily="18" charset="0"/>
-                <a:ea typeface="等线" panose="02010600030101010101" pitchFamily="2" charset="-122"/>
-                <a:hlinkClick r:id="rId3"/>
-              </a:rPr>
-              <a:t>-music-go-global/</a:t>
-            </a:r>
-            <a:endParaRPr lang="en-US" sz="1800" dirty="0">
-              <a:effectLst/>
-              <a:latin typeface="Times New Roman" panose="02020603050405020304" pitchFamily="18" charset="0"/>
-              <a:ea typeface="等线" panose="02010600030101010101" pitchFamily="2" charset="-122"/>
-            </a:endParaRPr>
+              <a:t>/wp-content/uploads/2018/11/ART-SNAP-02s.jpg</a:t>
+            </a:r>
+            <a:endParaRPr lang="en-US" dirty="0"/>
           </a:p>
           <a:p>
             <a:r>
@@ -3952,21 +6953,75 @@
               <a:rPr lang="en-US" dirty="0" err="1">
                 <a:hlinkClick r:id="rId4"/>
               </a:rPr>
-              <a:t>www.cbr.com</a:t>
+              <a:t>www.chinaeducationaltours.com</a:t>
             </a:r>
             <a:r>
               <a:rPr lang="en-US" dirty="0">
                 <a:hlinkClick r:id="rId4"/>
               </a:rPr>
-              <a:t>/</a:t>
-            </a:r>
-            <a:r>
-              <a:rPr lang="en-US">
+              <a:t>/guide/culture-</a:t>
+            </a:r>
+            <a:r>
+              <a:rPr lang="en-US" dirty="0" err="1">
                 <a:hlinkClick r:id="rId4"/>
               </a:rPr>
-              <a:t>anime-about-making-music-why-interesting/</a:t>
-            </a:r>
-            <a:endParaRPr lang="en-US"/>
+              <a:t>chinese</a:t>
+            </a:r>
+            <a:r>
+              <a:rPr lang="en-US" dirty="0">
+                <a:hlinkClick r:id="rId4"/>
+              </a:rPr>
+              <a:t>-</a:t>
+            </a:r>
+            <a:r>
+              <a:rPr lang="en-US" dirty="0" err="1">
+                <a:hlinkClick r:id="rId4"/>
+              </a:rPr>
+              <a:t>music.htm</a:t>
+            </a:r>
+            <a:endParaRPr lang="en-US" dirty="0"/>
+          </a:p>
+          <a:p>
+            <a:r>
+              <a:rPr lang="en-US" dirty="0">
+                <a:hlinkClick r:id="rId5"/>
+              </a:rPr>
+              <a:t>https://</a:t>
+            </a:r>
+            <a:r>
+              <a:rPr lang="en-US" dirty="0" err="1">
+                <a:hlinkClick r:id="rId5"/>
+              </a:rPr>
+              <a:t>en.wikipedia.org</a:t>
+            </a:r>
+            <a:r>
+              <a:rPr lang="en-US" dirty="0">
+                <a:hlinkClick r:id="rId5"/>
+              </a:rPr>
+              <a:t>/wiki/</a:t>
+            </a:r>
+            <a:r>
+              <a:rPr lang="en-US" dirty="0" err="1">
+                <a:hlinkClick r:id="rId5"/>
+              </a:rPr>
+              <a:t>Music_of_China</a:t>
+            </a:r>
+            <a:r>
+              <a:rPr lang="en-US" dirty="0">
+                <a:hlinkClick r:id="rId5"/>
+              </a:rPr>
+              <a:t>#/media/</a:t>
+            </a:r>
+            <a:r>
+              <a:rPr lang="en-US" dirty="0" err="1">
+                <a:hlinkClick r:id="rId5"/>
+              </a:rPr>
+              <a:t>File:ConcertGroupPano.jpg</a:t>
+            </a:r>
+            <a:endParaRPr lang="en-US" dirty="0"/>
+          </a:p>
+          <a:p>
+            <a:endParaRPr lang="en-US" dirty="0"/>
           </a:p>
           <a:p>
             <a:endParaRPr lang="en-US" dirty="0"/>
@@ -3979,7 +7034,7 @@
     </p:spTree>
     <p:extLst>
       <p:ext uri="{BB962C8B-B14F-4D97-AF65-F5344CB8AC3E}">
-        <p14:creationId xmlns:p14="http://schemas.microsoft.com/office/powerpoint/2010/main" val="2449940652"/>
+        <p14:creationId xmlns:p14="http://schemas.microsoft.com/office/powerpoint/2010/main" val="1800945640"/>
       </p:ext>
     </p:extLst>
   </p:cSld>
